--- a/Tutorials/SDL2Tutorials.pptx
+++ b/Tutorials/SDL2Tutorials.pptx
@@ -4,6 +4,9 @@
   <p:sldMasterIdLst>
     <p:sldMasterId id="2147484743" r:id="rId1"/>
   </p:sldMasterIdLst>
+  <p:notesMasterIdLst>
+    <p:notesMasterId r:id="rId73"/>
+  </p:notesMasterIdLst>
   <p:sldIdLst>
     <p:sldId id="256" r:id="rId2"/>
     <p:sldId id="283" r:id="rId3"/>
@@ -67,7 +70,15 @@
     <p:sldId id="346" r:id="rId61"/>
     <p:sldId id="347" r:id="rId62"/>
     <p:sldId id="348" r:id="rId63"/>
-    <p:sldId id="349" r:id="rId64"/>
+    <p:sldId id="351" r:id="rId64"/>
+    <p:sldId id="350" r:id="rId65"/>
+    <p:sldId id="352" r:id="rId66"/>
+    <p:sldId id="353" r:id="rId67"/>
+    <p:sldId id="354" r:id="rId68"/>
+    <p:sldId id="355" r:id="rId69"/>
+    <p:sldId id="356" r:id="rId70"/>
+    <p:sldId id="357" r:id="rId71"/>
+    <p:sldId id="349" r:id="rId72"/>
   </p:sldIdLst>
   <p:sldSz cx="9144000" cy="6858000" type="screen4x3"/>
   <p:notesSz cx="6858000" cy="9144000"/>
@@ -183,6 +194,608 @@
     </p:ext>
   </p:extLst>
 </p:presentation>
+</file>
+
+<file path=ppt/notesMasters/notesMaster1.xml><?xml version="1.0" encoding="utf-8"?>
+<p:notesMaster xmlns:a="http://schemas.openxmlformats.org/drawingml/2006/main" xmlns:r="http://schemas.openxmlformats.org/officeDocument/2006/relationships" xmlns:p="http://schemas.openxmlformats.org/presentationml/2006/main">
+  <p:cSld>
+    <p:bg>
+      <p:bgRef idx="1001">
+        <a:schemeClr val="bg1"/>
+      </p:bgRef>
+    </p:bg>
+    <p:spTree>
+      <p:nvGrpSpPr>
+        <p:cNvPr id="1" name=""/>
+        <p:cNvGrpSpPr/>
+        <p:nvPr/>
+      </p:nvGrpSpPr>
+      <p:grpSpPr>
+        <a:xfrm>
+          <a:off x="0" y="0"/>
+          <a:ext cx="0" cy="0"/>
+          <a:chOff x="0" y="0"/>
+          <a:chExt cx="0" cy="0"/>
+        </a:xfrm>
+      </p:grpSpPr>
+      <p:sp>
+        <p:nvSpPr>
+          <p:cNvPr id="2" name="页眉占位符 1"/>
+          <p:cNvSpPr>
+            <a:spLocks noGrp="1"/>
+          </p:cNvSpPr>
+          <p:nvPr>
+            <p:ph type="hdr" sz="quarter"/>
+          </p:nvPr>
+        </p:nvSpPr>
+        <p:spPr>
+          <a:xfrm>
+            <a:off x="0" y="0"/>
+            <a:ext cx="2971800" cy="457200"/>
+          </a:xfrm>
+          <a:prstGeom prst="rect">
+            <a:avLst/>
+          </a:prstGeom>
+        </p:spPr>
+        <p:txBody>
+          <a:bodyPr vert="horz" lIns="91440" tIns="45720" rIns="91440" bIns="45720" rtlCol="0"/>
+          <a:lstStyle>
+            <a:lvl1pPr algn="l">
+              <a:defRPr sz="1200"/>
+            </a:lvl1pPr>
+          </a:lstStyle>
+          <a:p>
+            <a:endParaRPr lang="zh-CN" altLang="en-US"/>
+          </a:p>
+        </p:txBody>
+      </p:sp>
+      <p:sp>
+        <p:nvSpPr>
+          <p:cNvPr id="3" name="日期占位符 2"/>
+          <p:cNvSpPr>
+            <a:spLocks noGrp="1"/>
+          </p:cNvSpPr>
+          <p:nvPr>
+            <p:ph type="dt" idx="1"/>
+          </p:nvPr>
+        </p:nvSpPr>
+        <p:spPr>
+          <a:xfrm>
+            <a:off x="3884613" y="0"/>
+            <a:ext cx="2971800" cy="457200"/>
+          </a:xfrm>
+          <a:prstGeom prst="rect">
+            <a:avLst/>
+          </a:prstGeom>
+        </p:spPr>
+        <p:txBody>
+          <a:bodyPr vert="horz" lIns="91440" tIns="45720" rIns="91440" bIns="45720" rtlCol="0"/>
+          <a:lstStyle>
+            <a:lvl1pPr algn="r">
+              <a:defRPr sz="1200"/>
+            </a:lvl1pPr>
+          </a:lstStyle>
+          <a:p>
+            <a:fld id="{54F7D158-F854-4C8F-BA53-252B5DC90A41}" type="datetimeFigureOut">
+              <a:rPr lang="zh-CN" altLang="en-US" smtClean="0"/>
+              <a:t>2017/5/2</a:t>
+            </a:fld>
+            <a:endParaRPr lang="zh-CN" altLang="en-US"/>
+          </a:p>
+        </p:txBody>
+      </p:sp>
+      <p:sp>
+        <p:nvSpPr>
+          <p:cNvPr id="4" name="幻灯片图像占位符 3"/>
+          <p:cNvSpPr>
+            <a:spLocks noGrp="1" noRot="1" noChangeAspect="1"/>
+          </p:cNvSpPr>
+          <p:nvPr>
+            <p:ph type="sldImg" idx="2"/>
+          </p:nvPr>
+        </p:nvSpPr>
+        <p:spPr>
+          <a:xfrm>
+            <a:off x="1143000" y="685800"/>
+            <a:ext cx="4572000" cy="3429000"/>
+          </a:xfrm>
+          <a:prstGeom prst="rect">
+            <a:avLst/>
+          </a:prstGeom>
+          <a:noFill/>
+          <a:ln w="12700">
+            <a:solidFill>
+              <a:prstClr val="black"/>
+            </a:solidFill>
+          </a:ln>
+        </p:spPr>
+        <p:txBody>
+          <a:bodyPr vert="horz" lIns="91440" tIns="45720" rIns="91440" bIns="45720" rtlCol="0" anchor="ctr"/>
+          <a:lstStyle/>
+          <a:p>
+            <a:endParaRPr lang="zh-CN" altLang="en-US"/>
+          </a:p>
+        </p:txBody>
+      </p:sp>
+      <p:sp>
+        <p:nvSpPr>
+          <p:cNvPr id="5" name="备注占位符 4"/>
+          <p:cNvSpPr>
+            <a:spLocks noGrp="1"/>
+          </p:cNvSpPr>
+          <p:nvPr>
+            <p:ph type="body" sz="quarter" idx="3"/>
+          </p:nvPr>
+        </p:nvSpPr>
+        <p:spPr>
+          <a:xfrm>
+            <a:off x="685800" y="4343400"/>
+            <a:ext cx="5486400" cy="4114800"/>
+          </a:xfrm>
+          <a:prstGeom prst="rect">
+            <a:avLst/>
+          </a:prstGeom>
+        </p:spPr>
+        <p:txBody>
+          <a:bodyPr vert="horz" lIns="91440" tIns="45720" rIns="91440" bIns="45720" rtlCol="0"/>
+          <a:lstStyle/>
+          <a:p>
+            <a:pPr lvl="0"/>
+            <a:r>
+              <a:rPr lang="zh-CN" altLang="en-US" smtClean="0"/>
+              <a:t>单击此处编辑母版文本样式</a:t>
+            </a:r>
+          </a:p>
+          <a:p>
+            <a:pPr lvl="1"/>
+            <a:r>
+              <a:rPr lang="zh-CN" altLang="en-US" smtClean="0"/>
+              <a:t>第二级</a:t>
+            </a:r>
+          </a:p>
+          <a:p>
+            <a:pPr lvl="2"/>
+            <a:r>
+              <a:rPr lang="zh-CN" altLang="en-US" smtClean="0"/>
+              <a:t>第三级</a:t>
+            </a:r>
+          </a:p>
+          <a:p>
+            <a:pPr lvl="3"/>
+            <a:r>
+              <a:rPr lang="zh-CN" altLang="en-US" smtClean="0"/>
+              <a:t>第四级</a:t>
+            </a:r>
+          </a:p>
+          <a:p>
+            <a:pPr lvl="4"/>
+            <a:r>
+              <a:rPr lang="zh-CN" altLang="en-US" smtClean="0"/>
+              <a:t>第五级</a:t>
+            </a:r>
+            <a:endParaRPr lang="zh-CN" altLang="en-US"/>
+          </a:p>
+        </p:txBody>
+      </p:sp>
+      <p:sp>
+        <p:nvSpPr>
+          <p:cNvPr id="6" name="页脚占位符 5"/>
+          <p:cNvSpPr>
+            <a:spLocks noGrp="1"/>
+          </p:cNvSpPr>
+          <p:nvPr>
+            <p:ph type="ftr" sz="quarter" idx="4"/>
+          </p:nvPr>
+        </p:nvSpPr>
+        <p:spPr>
+          <a:xfrm>
+            <a:off x="0" y="8685213"/>
+            <a:ext cx="2971800" cy="457200"/>
+          </a:xfrm>
+          <a:prstGeom prst="rect">
+            <a:avLst/>
+          </a:prstGeom>
+        </p:spPr>
+        <p:txBody>
+          <a:bodyPr vert="horz" lIns="91440" tIns="45720" rIns="91440" bIns="45720" rtlCol="0" anchor="b"/>
+          <a:lstStyle>
+            <a:lvl1pPr algn="l">
+              <a:defRPr sz="1200"/>
+            </a:lvl1pPr>
+          </a:lstStyle>
+          <a:p>
+            <a:endParaRPr lang="zh-CN" altLang="en-US"/>
+          </a:p>
+        </p:txBody>
+      </p:sp>
+      <p:sp>
+        <p:nvSpPr>
+          <p:cNvPr id="7" name="灯片编号占位符 6"/>
+          <p:cNvSpPr>
+            <a:spLocks noGrp="1"/>
+          </p:cNvSpPr>
+          <p:nvPr>
+            <p:ph type="sldNum" sz="quarter" idx="5"/>
+          </p:nvPr>
+        </p:nvSpPr>
+        <p:spPr>
+          <a:xfrm>
+            <a:off x="3884613" y="8685213"/>
+            <a:ext cx="2971800" cy="457200"/>
+          </a:xfrm>
+          <a:prstGeom prst="rect">
+            <a:avLst/>
+          </a:prstGeom>
+        </p:spPr>
+        <p:txBody>
+          <a:bodyPr vert="horz" lIns="91440" tIns="45720" rIns="91440" bIns="45720" rtlCol="0" anchor="b"/>
+          <a:lstStyle>
+            <a:lvl1pPr algn="r">
+              <a:defRPr sz="1200"/>
+            </a:lvl1pPr>
+          </a:lstStyle>
+          <a:p>
+            <a:fld id="{DFD49E71-0411-4E8D-A649-FAC12F8D4725}" type="slidenum">
+              <a:rPr lang="zh-CN" altLang="en-US" smtClean="0"/>
+              <a:t>‹#›</a:t>
+            </a:fld>
+            <a:endParaRPr lang="zh-CN" altLang="en-US"/>
+          </a:p>
+        </p:txBody>
+      </p:sp>
+    </p:spTree>
+    <p:extLst>
+      <p:ext uri="{BB962C8B-B14F-4D97-AF65-F5344CB8AC3E}">
+        <p14:creationId xmlns:p14="http://schemas.microsoft.com/office/powerpoint/2010/main" val="2853960341"/>
+      </p:ext>
+    </p:extLst>
+  </p:cSld>
+  <p:clrMap bg1="lt1" tx1="dk1" bg2="lt2" tx2="dk2" accent1="accent1" accent2="accent2" accent3="accent3" accent4="accent4" accent5="accent5" accent6="accent6" hlink="hlink" folHlink="folHlink"/>
+  <p:notesStyle>
+    <a:lvl1pPr marL="0" algn="l" defTabSz="914400" rtl="0" eaLnBrk="1" latinLnBrk="0" hangingPunct="1">
+      <a:defRPr sz="1200" kern="1200">
+        <a:solidFill>
+          <a:schemeClr val="tx1"/>
+        </a:solidFill>
+        <a:latin typeface="+mn-lt"/>
+        <a:ea typeface="+mn-ea"/>
+        <a:cs typeface="+mn-cs"/>
+      </a:defRPr>
+    </a:lvl1pPr>
+    <a:lvl2pPr marL="457200" algn="l" defTabSz="914400" rtl="0" eaLnBrk="1" latinLnBrk="0" hangingPunct="1">
+      <a:defRPr sz="1200" kern="1200">
+        <a:solidFill>
+          <a:schemeClr val="tx1"/>
+        </a:solidFill>
+        <a:latin typeface="+mn-lt"/>
+        <a:ea typeface="+mn-ea"/>
+        <a:cs typeface="+mn-cs"/>
+      </a:defRPr>
+    </a:lvl2pPr>
+    <a:lvl3pPr marL="914400" algn="l" defTabSz="914400" rtl="0" eaLnBrk="1" latinLnBrk="0" hangingPunct="1">
+      <a:defRPr sz="1200" kern="1200">
+        <a:solidFill>
+          <a:schemeClr val="tx1"/>
+        </a:solidFill>
+        <a:latin typeface="+mn-lt"/>
+        <a:ea typeface="+mn-ea"/>
+        <a:cs typeface="+mn-cs"/>
+      </a:defRPr>
+    </a:lvl3pPr>
+    <a:lvl4pPr marL="1371600" algn="l" defTabSz="914400" rtl="0" eaLnBrk="1" latinLnBrk="0" hangingPunct="1">
+      <a:defRPr sz="1200" kern="1200">
+        <a:solidFill>
+          <a:schemeClr val="tx1"/>
+        </a:solidFill>
+        <a:latin typeface="+mn-lt"/>
+        <a:ea typeface="+mn-ea"/>
+        <a:cs typeface="+mn-cs"/>
+      </a:defRPr>
+    </a:lvl4pPr>
+    <a:lvl5pPr marL="1828800" algn="l" defTabSz="914400" rtl="0" eaLnBrk="1" latinLnBrk="0" hangingPunct="1">
+      <a:defRPr sz="1200" kern="1200">
+        <a:solidFill>
+          <a:schemeClr val="tx1"/>
+        </a:solidFill>
+        <a:latin typeface="+mn-lt"/>
+        <a:ea typeface="+mn-ea"/>
+        <a:cs typeface="+mn-cs"/>
+      </a:defRPr>
+    </a:lvl5pPr>
+    <a:lvl6pPr marL="2286000" algn="l" defTabSz="914400" rtl="0" eaLnBrk="1" latinLnBrk="0" hangingPunct="1">
+      <a:defRPr sz="1200" kern="1200">
+        <a:solidFill>
+          <a:schemeClr val="tx1"/>
+        </a:solidFill>
+        <a:latin typeface="+mn-lt"/>
+        <a:ea typeface="+mn-ea"/>
+        <a:cs typeface="+mn-cs"/>
+      </a:defRPr>
+    </a:lvl6pPr>
+    <a:lvl7pPr marL="2743200" algn="l" defTabSz="914400" rtl="0" eaLnBrk="1" latinLnBrk="0" hangingPunct="1">
+      <a:defRPr sz="1200" kern="1200">
+        <a:solidFill>
+          <a:schemeClr val="tx1"/>
+        </a:solidFill>
+        <a:latin typeface="+mn-lt"/>
+        <a:ea typeface="+mn-ea"/>
+        <a:cs typeface="+mn-cs"/>
+      </a:defRPr>
+    </a:lvl7pPr>
+    <a:lvl8pPr marL="3200400" algn="l" defTabSz="914400" rtl="0" eaLnBrk="1" latinLnBrk="0" hangingPunct="1">
+      <a:defRPr sz="1200" kern="1200">
+        <a:solidFill>
+          <a:schemeClr val="tx1"/>
+        </a:solidFill>
+        <a:latin typeface="+mn-lt"/>
+        <a:ea typeface="+mn-ea"/>
+        <a:cs typeface="+mn-cs"/>
+      </a:defRPr>
+    </a:lvl8pPr>
+    <a:lvl9pPr marL="3657600" algn="l" defTabSz="914400" rtl="0" eaLnBrk="1" latinLnBrk="0" hangingPunct="1">
+      <a:defRPr sz="1200" kern="1200">
+        <a:solidFill>
+          <a:schemeClr val="tx1"/>
+        </a:solidFill>
+        <a:latin typeface="+mn-lt"/>
+        <a:ea typeface="+mn-ea"/>
+        <a:cs typeface="+mn-cs"/>
+      </a:defRPr>
+    </a:lvl9pPr>
+  </p:notesStyle>
+</p:notesMaster>
+</file>
+
+<file path=ppt/notesSlides/notesSlide1.xml><?xml version="1.0" encoding="utf-8"?>
+<p:notes xmlns:a="http://schemas.openxmlformats.org/drawingml/2006/main" xmlns:r="http://schemas.openxmlformats.org/officeDocument/2006/relationships" xmlns:p="http://schemas.openxmlformats.org/presentationml/2006/main">
+  <p:cSld>
+    <p:spTree>
+      <p:nvGrpSpPr>
+        <p:cNvPr id="1" name=""/>
+        <p:cNvGrpSpPr/>
+        <p:nvPr/>
+      </p:nvGrpSpPr>
+      <p:grpSpPr>
+        <a:xfrm>
+          <a:off x="0" y="0"/>
+          <a:ext cx="0" cy="0"/>
+          <a:chOff x="0" y="0"/>
+          <a:chExt cx="0" cy="0"/>
+        </a:xfrm>
+      </p:grpSpPr>
+      <p:sp>
+        <p:nvSpPr>
+          <p:cNvPr id="2" name="幻灯片图像占位符 1"/>
+          <p:cNvSpPr>
+            <a:spLocks noGrp="1" noRot="1" noChangeAspect="1"/>
+          </p:cNvSpPr>
+          <p:nvPr>
+            <p:ph type="sldImg"/>
+          </p:nvPr>
+        </p:nvSpPr>
+        <p:spPr/>
+      </p:sp>
+      <p:sp>
+        <p:nvSpPr>
+          <p:cNvPr id="3" name="备注占位符 2"/>
+          <p:cNvSpPr>
+            <a:spLocks noGrp="1"/>
+          </p:cNvSpPr>
+          <p:nvPr>
+            <p:ph type="body" idx="1"/>
+          </p:nvPr>
+        </p:nvSpPr>
+        <p:spPr/>
+        <p:txBody>
+          <a:bodyPr/>
+          <a:lstStyle/>
+          <a:p>
+            <a:endParaRPr lang="zh-CN" altLang="en-US" dirty="0"/>
+          </a:p>
+        </p:txBody>
+      </p:sp>
+      <p:sp>
+        <p:nvSpPr>
+          <p:cNvPr id="4" name="灯片编号占位符 3"/>
+          <p:cNvSpPr>
+            <a:spLocks noGrp="1"/>
+          </p:cNvSpPr>
+          <p:nvPr>
+            <p:ph type="sldNum" sz="quarter" idx="10"/>
+          </p:nvPr>
+        </p:nvSpPr>
+        <p:spPr/>
+        <p:txBody>
+          <a:bodyPr/>
+          <a:lstStyle/>
+          <a:p>
+            <a:fld id="{449B0567-C2A8-4540-AB82-FB76E4326867}" type="slidenum">
+              <a:rPr lang="zh-CN" altLang="en-US" smtClean="0"/>
+              <a:t>67</a:t>
+            </a:fld>
+            <a:endParaRPr lang="zh-CN" altLang="en-US"/>
+          </a:p>
+        </p:txBody>
+      </p:sp>
+    </p:spTree>
+    <p:extLst>
+      <p:ext uri="{BB962C8B-B14F-4D97-AF65-F5344CB8AC3E}">
+        <p14:creationId xmlns:p14="http://schemas.microsoft.com/office/powerpoint/2010/main" val="3958631621"/>
+      </p:ext>
+    </p:extLst>
+  </p:cSld>
+  <p:clrMapOvr>
+    <a:masterClrMapping/>
+  </p:clrMapOvr>
+</p:notes>
+</file>
+
+<file path=ppt/notesSlides/notesSlide2.xml><?xml version="1.0" encoding="utf-8"?>
+<p:notes xmlns:a="http://schemas.openxmlformats.org/drawingml/2006/main" xmlns:r="http://schemas.openxmlformats.org/officeDocument/2006/relationships" xmlns:p="http://schemas.openxmlformats.org/presentationml/2006/main">
+  <p:cSld>
+    <p:spTree>
+      <p:nvGrpSpPr>
+        <p:cNvPr id="1" name=""/>
+        <p:cNvGrpSpPr/>
+        <p:nvPr/>
+      </p:nvGrpSpPr>
+      <p:grpSpPr>
+        <a:xfrm>
+          <a:off x="0" y="0"/>
+          <a:ext cx="0" cy="0"/>
+          <a:chOff x="0" y="0"/>
+          <a:chExt cx="0" cy="0"/>
+        </a:xfrm>
+      </p:grpSpPr>
+      <p:sp>
+        <p:nvSpPr>
+          <p:cNvPr id="2" name="幻灯片图像占位符 1"/>
+          <p:cNvSpPr>
+            <a:spLocks noGrp="1" noRot="1" noChangeAspect="1"/>
+          </p:cNvSpPr>
+          <p:nvPr>
+            <p:ph type="sldImg"/>
+          </p:nvPr>
+        </p:nvSpPr>
+        <p:spPr/>
+      </p:sp>
+      <p:sp>
+        <p:nvSpPr>
+          <p:cNvPr id="3" name="备注占位符 2"/>
+          <p:cNvSpPr>
+            <a:spLocks noGrp="1"/>
+          </p:cNvSpPr>
+          <p:nvPr>
+            <p:ph type="body" idx="1"/>
+          </p:nvPr>
+        </p:nvSpPr>
+        <p:spPr/>
+        <p:txBody>
+          <a:bodyPr/>
+          <a:lstStyle/>
+          <a:p>
+            <a:endParaRPr lang="zh-CN" altLang="en-US" dirty="0"/>
+          </a:p>
+        </p:txBody>
+      </p:sp>
+      <p:sp>
+        <p:nvSpPr>
+          <p:cNvPr id="4" name="灯片编号占位符 3"/>
+          <p:cNvSpPr>
+            <a:spLocks noGrp="1"/>
+          </p:cNvSpPr>
+          <p:nvPr>
+            <p:ph type="sldNum" sz="quarter" idx="10"/>
+          </p:nvPr>
+        </p:nvSpPr>
+        <p:spPr/>
+        <p:txBody>
+          <a:bodyPr/>
+          <a:lstStyle/>
+          <a:p>
+            <a:fld id="{449B0567-C2A8-4540-AB82-FB76E4326867}" type="slidenum">
+              <a:rPr lang="zh-CN" altLang="en-US" smtClean="0"/>
+              <a:t>68</a:t>
+            </a:fld>
+            <a:endParaRPr lang="zh-CN" altLang="en-US"/>
+          </a:p>
+        </p:txBody>
+      </p:sp>
+    </p:spTree>
+    <p:extLst>
+      <p:ext uri="{BB962C8B-B14F-4D97-AF65-F5344CB8AC3E}">
+        <p14:creationId xmlns:p14="http://schemas.microsoft.com/office/powerpoint/2010/main" val="3958631621"/>
+      </p:ext>
+    </p:extLst>
+  </p:cSld>
+  <p:clrMapOvr>
+    <a:masterClrMapping/>
+  </p:clrMapOvr>
+</p:notes>
+</file>
+
+<file path=ppt/notesSlides/notesSlide3.xml><?xml version="1.0" encoding="utf-8"?>
+<p:notes xmlns:a="http://schemas.openxmlformats.org/drawingml/2006/main" xmlns:r="http://schemas.openxmlformats.org/officeDocument/2006/relationships" xmlns:p="http://schemas.openxmlformats.org/presentationml/2006/main">
+  <p:cSld>
+    <p:spTree>
+      <p:nvGrpSpPr>
+        <p:cNvPr id="1" name=""/>
+        <p:cNvGrpSpPr/>
+        <p:nvPr/>
+      </p:nvGrpSpPr>
+      <p:grpSpPr>
+        <a:xfrm>
+          <a:off x="0" y="0"/>
+          <a:ext cx="0" cy="0"/>
+          <a:chOff x="0" y="0"/>
+          <a:chExt cx="0" cy="0"/>
+        </a:xfrm>
+      </p:grpSpPr>
+      <p:sp>
+        <p:nvSpPr>
+          <p:cNvPr id="2" name="幻灯片图像占位符 1"/>
+          <p:cNvSpPr>
+            <a:spLocks noGrp="1" noRot="1" noChangeAspect="1"/>
+          </p:cNvSpPr>
+          <p:nvPr>
+            <p:ph type="sldImg"/>
+          </p:nvPr>
+        </p:nvSpPr>
+        <p:spPr/>
+      </p:sp>
+      <p:sp>
+        <p:nvSpPr>
+          <p:cNvPr id="3" name="备注占位符 2"/>
+          <p:cNvSpPr>
+            <a:spLocks noGrp="1"/>
+          </p:cNvSpPr>
+          <p:nvPr>
+            <p:ph type="body" idx="1"/>
+          </p:nvPr>
+        </p:nvSpPr>
+        <p:spPr/>
+        <p:txBody>
+          <a:bodyPr/>
+          <a:lstStyle/>
+          <a:p>
+            <a:endParaRPr lang="zh-CN" altLang="en-US" dirty="0"/>
+          </a:p>
+        </p:txBody>
+      </p:sp>
+      <p:sp>
+        <p:nvSpPr>
+          <p:cNvPr id="4" name="灯片编号占位符 3"/>
+          <p:cNvSpPr>
+            <a:spLocks noGrp="1"/>
+          </p:cNvSpPr>
+          <p:nvPr>
+            <p:ph type="sldNum" sz="quarter" idx="10"/>
+          </p:nvPr>
+        </p:nvSpPr>
+        <p:spPr/>
+        <p:txBody>
+          <a:bodyPr/>
+          <a:lstStyle/>
+          <a:p>
+            <a:fld id="{449B0567-C2A8-4540-AB82-FB76E4326867}" type="slidenum">
+              <a:rPr lang="zh-CN" altLang="en-US" smtClean="0"/>
+              <a:t>69</a:t>
+            </a:fld>
+            <a:endParaRPr lang="zh-CN" altLang="en-US"/>
+          </a:p>
+        </p:txBody>
+      </p:sp>
+    </p:spTree>
+    <p:extLst>
+      <p:ext uri="{BB962C8B-B14F-4D97-AF65-F5344CB8AC3E}">
+        <p14:creationId xmlns:p14="http://schemas.microsoft.com/office/powerpoint/2010/main" val="3958631621"/>
+      </p:ext>
+    </p:extLst>
+  </p:cSld>
+  <p:clrMapOvr>
+    <a:masterClrMapping/>
+  </p:clrMapOvr>
+</p:notes>
 </file>
 
 <file path=ppt/slideLayouts/slideLayout1.xml><?xml version="1.0" encoding="utf-8"?>
@@ -12228,6 +12841,13 @@
   <p:clrMapOvr>
     <a:masterClrMapping/>
   </p:clrMapOvr>
+  <p:timing>
+    <p:tnLst>
+      <p:par>
+        <p:cTn id="1" dur="indefinite" restart="never" nodeType="tmRoot"/>
+      </p:par>
+    </p:tnLst>
+  </p:timing>
 </p:sld>
 </file>
 
@@ -12416,6 +13036,13 @@
   <p:clrMapOvr>
     <a:masterClrMapping/>
   </p:clrMapOvr>
+  <p:timing>
+    <p:tnLst>
+      <p:par>
+        <p:cTn id="1" dur="indefinite" restart="never" nodeType="tmRoot"/>
+      </p:par>
+    </p:tnLst>
+  </p:timing>
 </p:sld>
 </file>
 
@@ -12627,6 +13254,13 @@
   <p:clrMapOvr>
     <a:masterClrMapping/>
   </p:clrMapOvr>
+  <p:timing>
+    <p:tnLst>
+      <p:par>
+        <p:cTn id="1" dur="indefinite" restart="never" nodeType="tmRoot"/>
+      </p:par>
+    </p:tnLst>
+  </p:timing>
 </p:sld>
 </file>
 
@@ -12820,6 +13454,13 @@
   <p:clrMapOvr>
     <a:masterClrMapping/>
   </p:clrMapOvr>
+  <p:timing>
+    <p:tnLst>
+      <p:par>
+        <p:cTn id="1" dur="indefinite" restart="never" nodeType="tmRoot"/>
+      </p:par>
+    </p:tnLst>
+  </p:timing>
 </p:sld>
 </file>
 
@@ -13154,6 +13795,13 @@
   <p:clrMapOvr>
     <a:masterClrMapping/>
   </p:clrMapOvr>
+  <p:timing>
+    <p:tnLst>
+      <p:par>
+        <p:cTn id="1" dur="indefinite" restart="never" nodeType="tmRoot"/>
+      </p:par>
+    </p:tnLst>
+  </p:timing>
 </p:sld>
 </file>
 
@@ -13650,6 +14298,13 @@
   <p:clrMapOvr>
     <a:masterClrMapping/>
   </p:clrMapOvr>
+  <p:timing>
+    <p:tnLst>
+      <p:par>
+        <p:cTn id="1" dur="indefinite" restart="never" nodeType="tmRoot"/>
+      </p:par>
+    </p:tnLst>
+  </p:timing>
 </p:sld>
 </file>
 
@@ -14002,6 +14657,13 @@
   <p:clrMapOvr>
     <a:masterClrMapping/>
   </p:clrMapOvr>
+  <p:timing>
+    <p:tnLst>
+      <p:par>
+        <p:cTn id="1" dur="indefinite" restart="never" nodeType="tmRoot"/>
+      </p:par>
+    </p:tnLst>
+  </p:timing>
 </p:sld>
 </file>
 
@@ -14366,6 +15028,13 @@
   <p:clrMapOvr>
     <a:masterClrMapping/>
   </p:clrMapOvr>
+  <p:timing>
+    <p:tnLst>
+      <p:par>
+        <p:cTn id="1" dur="indefinite" restart="never" nodeType="tmRoot"/>
+      </p:par>
+    </p:tnLst>
+  </p:timing>
 </p:sld>
 </file>
 
@@ -14535,6 +15204,13 @@
   <p:clrMapOvr>
     <a:masterClrMapping/>
   </p:clrMapOvr>
+  <p:timing>
+    <p:tnLst>
+      <p:par>
+        <p:cTn id="1" dur="indefinite" restart="never" nodeType="tmRoot"/>
+      </p:par>
+    </p:tnLst>
+  </p:timing>
 </p:sld>
 </file>
 
@@ -14791,6 +15467,13 @@
   <p:clrMapOvr>
     <a:masterClrMapping/>
   </p:clrMapOvr>
+  <p:timing>
+    <p:tnLst>
+      <p:par>
+        <p:cTn id="1" dur="indefinite" restart="never" nodeType="tmRoot"/>
+      </p:par>
+    </p:tnLst>
+  </p:timing>
 </p:sld>
 </file>
 
@@ -16140,6 +16823,13 @@
   <p:clrMapOvr>
     <a:masterClrMapping/>
   </p:clrMapOvr>
+  <p:timing>
+    <p:tnLst>
+      <p:par>
+        <p:cTn id="1" dur="indefinite" restart="never" nodeType="tmRoot"/>
+      </p:par>
+    </p:tnLst>
+  </p:timing>
 </p:sld>
 </file>
 
@@ -16653,6 +17343,13 @@
   <p:clrMapOvr>
     <a:masterClrMapping/>
   </p:clrMapOvr>
+  <p:timing>
+    <p:tnLst>
+      <p:par>
+        <p:cTn id="1" dur="indefinite" restart="never" nodeType="tmRoot"/>
+      </p:par>
+    </p:tnLst>
+  </p:timing>
 </p:sld>
 </file>
 
@@ -17223,6 +17920,13 @@
   <p:clrMapOvr>
     <a:masterClrMapping/>
   </p:clrMapOvr>
+  <p:timing>
+    <p:tnLst>
+      <p:par>
+        <p:cTn id="1" dur="indefinite" restart="never" nodeType="tmRoot"/>
+      </p:par>
+    </p:tnLst>
+  </p:timing>
 </p:sld>
 </file>
 
@@ -17946,6 +18650,13 @@
   <p:clrMapOvr>
     <a:masterClrMapping/>
   </p:clrMapOvr>
+  <p:timing>
+    <p:tnLst>
+      <p:par>
+        <p:cTn id="1" dur="indefinite" restart="never" nodeType="tmRoot"/>
+      </p:par>
+    </p:tnLst>
+  </p:timing>
 </p:sld>
 </file>
 
@@ -18369,6 +19080,13 @@
   <p:clrMapOvr>
     <a:masterClrMapping/>
   </p:clrMapOvr>
+  <p:timing>
+    <p:tnLst>
+      <p:par>
+        <p:cTn id="1" dur="indefinite" restart="never" nodeType="tmRoot"/>
+      </p:par>
+    </p:tnLst>
+  </p:timing>
 </p:sld>
 </file>
 
@@ -19145,6 +19863,13 @@
   <p:clrMapOvr>
     <a:masterClrMapping/>
   </p:clrMapOvr>
+  <p:timing>
+    <p:tnLst>
+      <p:par>
+        <p:cTn id="1" dur="indefinite" restart="never" nodeType="tmRoot"/>
+      </p:par>
+    </p:tnLst>
+  </p:timing>
 </p:sld>
 </file>
 
@@ -19404,6 +20129,13 @@
   <p:clrMapOvr>
     <a:masterClrMapping/>
   </p:clrMapOvr>
+  <p:timing>
+    <p:tnLst>
+      <p:par>
+        <p:cTn id="1" dur="indefinite" restart="never" nodeType="tmRoot"/>
+      </p:par>
+    </p:tnLst>
+  </p:timing>
 </p:sld>
 </file>
 
@@ -19974,6 +20706,13 @@
   <p:clrMapOvr>
     <a:masterClrMapping/>
   </p:clrMapOvr>
+  <p:timing>
+    <p:tnLst>
+      <p:par>
+        <p:cTn id="1" dur="indefinite" restart="never" nodeType="tmRoot"/>
+      </p:par>
+    </p:tnLst>
+  </p:timing>
 </p:sld>
 </file>
 
@@ -20551,6 +21290,13 @@
   <p:clrMapOvr>
     <a:masterClrMapping/>
   </p:clrMapOvr>
+  <p:timing>
+    <p:tnLst>
+      <p:par>
+        <p:cTn id="1" dur="indefinite" restart="never" nodeType="tmRoot"/>
+      </p:par>
+    </p:tnLst>
+  </p:timing>
 </p:sld>
 </file>
 
@@ -21027,6 +21773,13 @@
   <p:clrMapOvr>
     <a:masterClrMapping/>
   </p:clrMapOvr>
+  <p:timing>
+    <p:tnLst>
+      <p:par>
+        <p:cTn id="1" dur="indefinite" restart="never" nodeType="tmRoot"/>
+      </p:par>
+    </p:tnLst>
+  </p:timing>
 </p:sld>
 </file>
 
@@ -21424,6 +22177,13 @@
   <p:clrMapOvr>
     <a:masterClrMapping/>
   </p:clrMapOvr>
+  <p:timing>
+    <p:tnLst>
+      <p:par>
+        <p:cTn id="1" dur="indefinite" restart="never" nodeType="tmRoot"/>
+      </p:par>
+    </p:tnLst>
+  </p:timing>
 </p:sld>
 </file>
 
@@ -21674,10 +22434,115 @@
   <p:clrMapOvr>
     <a:masterClrMapping/>
   </p:clrMapOvr>
+  <p:timing>
+    <p:tnLst>
+      <p:par>
+        <p:cTn id="1" dur="indefinite" restart="never" nodeType="tmRoot"/>
+      </p:par>
+    </p:tnLst>
+  </p:timing>
 </p:sld>
 </file>
 
 <file path=ppt/slides/slide63.xml><?xml version="1.0" encoding="utf-8"?>
+<p:sld xmlns:a="http://schemas.openxmlformats.org/drawingml/2006/main" xmlns:r="http://schemas.openxmlformats.org/officeDocument/2006/relationships" xmlns:p="http://schemas.openxmlformats.org/presentationml/2006/main">
+  <p:cSld>
+    <p:spTree>
+      <p:nvGrpSpPr>
+        <p:cNvPr id="1" name=""/>
+        <p:cNvGrpSpPr/>
+        <p:nvPr/>
+      </p:nvGrpSpPr>
+      <p:grpSpPr>
+        <a:xfrm>
+          <a:off x="0" y="0"/>
+          <a:ext cx="0" cy="0"/>
+          <a:chOff x="0" y="0"/>
+          <a:chExt cx="0" cy="0"/>
+        </a:xfrm>
+      </p:grpSpPr>
+      <p:sp>
+        <p:nvSpPr>
+          <p:cNvPr id="2" name="标题 1"/>
+          <p:cNvSpPr>
+            <a:spLocks noGrp="1"/>
+          </p:cNvSpPr>
+          <p:nvPr>
+            <p:ph type="ctrTitle"/>
+          </p:nvPr>
+        </p:nvSpPr>
+        <p:spPr/>
+        <p:txBody>
+          <a:bodyPr/>
+          <a:lstStyle/>
+          <a:p>
+            <a:r>
+              <a:rPr lang="zh-CN" altLang="en-US" dirty="0"/>
+              <a:t>绘制动画</a:t>
+            </a:r>
+          </a:p>
+        </p:txBody>
+      </p:sp>
+      <p:sp>
+        <p:nvSpPr>
+          <p:cNvPr id="3" name="副标题 2"/>
+          <p:cNvSpPr>
+            <a:spLocks noGrp="1"/>
+          </p:cNvSpPr>
+          <p:nvPr>
+            <p:ph type="subTitle" idx="1"/>
+          </p:nvPr>
+        </p:nvSpPr>
+        <p:spPr/>
+        <p:txBody>
+          <a:bodyPr/>
+          <a:lstStyle/>
+          <a:p>
+            <a:r>
+              <a:rPr lang="zh-CN" altLang="en-US" dirty="0" smtClean="0">
+                <a:solidFill>
+                  <a:srgbClr val="0070C0"/>
+                </a:solidFill>
+              </a:rPr>
+              <a:t>例程：</a:t>
+            </a:r>
+            <a:r>
+              <a:rPr lang="en-US" altLang="zh-CN" dirty="0" err="1" smtClean="0">
+                <a:solidFill>
+                  <a:srgbClr val="0070C0"/>
+                </a:solidFill>
+              </a:rPr>
+              <a:t>SpriteAnimation</a:t>
+            </a:r>
+            <a:endParaRPr lang="zh-CN" altLang="en-US" dirty="0">
+              <a:solidFill>
+                <a:srgbClr val="0070C0"/>
+              </a:solidFill>
+            </a:endParaRPr>
+          </a:p>
+        </p:txBody>
+      </p:sp>
+    </p:spTree>
+    <p:extLst>
+      <p:ext uri="{BB962C8B-B14F-4D97-AF65-F5344CB8AC3E}">
+        <p14:creationId xmlns:p14="http://schemas.microsoft.com/office/powerpoint/2010/main" val="3164421568"/>
+      </p:ext>
+    </p:extLst>
+  </p:cSld>
+  <p:clrMapOvr>
+    <a:masterClrMapping/>
+  </p:clrMapOvr>
+  <p:timing>
+    <p:tnLst>
+      <p:par>
+        <p:cTn id="1" dur="indefinite" restart="never" nodeType="tmRoot"/>
+      </p:par>
+    </p:tnLst>
+  </p:timing>
+</p:sld>
+</file>
+
+<file path=ppt/slides/slide64.xml><?xml version="1.0" encoding="utf-8"?>
 <p:sld xmlns:a="http://schemas.openxmlformats.org/drawingml/2006/main" xmlns:r="http://schemas.openxmlformats.org/officeDocument/2006/relationships" xmlns:p="http://schemas.openxmlformats.org/presentationml/2006/main">
   <p:cSld>
     <p:spTree>
@@ -21710,8 +22575,8 @@
           <a:lstStyle/>
           <a:p>
             <a:r>
-              <a:rPr lang="en-US" altLang="zh-CN" smtClean="0"/>
-              <a:t>End</a:t>
+              <a:rPr lang="zh-CN" altLang="en-US" dirty="0" smtClean="0"/>
+              <a:t>动画基本概念</a:t>
             </a:r>
             <a:endParaRPr lang="zh-CN" altLang="en-US" dirty="0"/>
           </a:p>
@@ -21732,20 +22597,1821 @@
           <a:bodyPr/>
           <a:lstStyle/>
           <a:p>
-            <a:endParaRPr lang="zh-CN" altLang="en-US"/>
+            <a:r>
+              <a:rPr lang="zh-CN" altLang="en-US" dirty="0" smtClean="0"/>
+              <a:t>动画 </a:t>
+            </a:r>
+            <a:r>
+              <a:rPr lang="en-US" altLang="zh-CN" dirty="0" smtClean="0"/>
+              <a:t>– </a:t>
+            </a:r>
+            <a:r>
+              <a:rPr lang="zh-CN" altLang="en-US" dirty="0" smtClean="0"/>
+              <a:t>连续播放的画面</a:t>
+            </a:r>
+            <a:endParaRPr lang="en-US" altLang="zh-CN" dirty="0" smtClean="0"/>
+          </a:p>
+          <a:p>
+            <a:pPr lvl="1"/>
+            <a:r>
+              <a:rPr lang="zh-CN" altLang="en-US" dirty="0"/>
+              <a:t>帧</a:t>
+            </a:r>
+            <a:r>
+              <a:rPr lang="zh-CN" altLang="en-US" dirty="0" smtClean="0"/>
+              <a:t>率：</a:t>
+            </a:r>
+            <a:r>
+              <a:rPr lang="en-US" altLang="zh-CN" dirty="0" smtClean="0"/>
+              <a:t>&gt; 24 frames per second (FPS)</a:t>
+            </a:r>
+          </a:p>
+          <a:p>
+            <a:pPr lvl="1"/>
+            <a:r>
+              <a:rPr lang="zh-CN" altLang="en-US" dirty="0" smtClean="0"/>
+              <a:t>预先保存的图像</a:t>
+            </a:r>
+            <a:endParaRPr lang="en-US" altLang="zh-CN" dirty="0" smtClean="0"/>
+          </a:p>
+          <a:p>
+            <a:pPr lvl="1"/>
+            <a:r>
+              <a:rPr lang="zh-CN" altLang="en-US" dirty="0" smtClean="0"/>
+              <a:t>实时计算的图像</a:t>
+            </a:r>
+            <a:endParaRPr lang="zh-CN" altLang="en-US" dirty="0"/>
           </a:p>
         </p:txBody>
       </p:sp>
     </p:spTree>
     <p:extLst>
       <p:ext uri="{BB962C8B-B14F-4D97-AF65-F5344CB8AC3E}">
-        <p14:creationId xmlns:p14="http://schemas.microsoft.com/office/powerpoint/2010/main" val="3738149495"/>
+        <p14:creationId xmlns:p14="http://schemas.microsoft.com/office/powerpoint/2010/main" val="957836356"/>
       </p:ext>
     </p:extLst>
   </p:cSld>
   <p:clrMapOvr>
     <a:masterClrMapping/>
   </p:clrMapOvr>
+  <p:timing>
+    <p:tnLst>
+      <p:par>
+        <p:cTn id="1" dur="indefinite" restart="never" nodeType="tmRoot"/>
+      </p:par>
+    </p:tnLst>
+  </p:timing>
+</p:sld>
+</file>
+
+<file path=ppt/slides/slide65.xml><?xml version="1.0" encoding="utf-8"?>
+<p:sld xmlns:a="http://schemas.openxmlformats.org/drawingml/2006/main" xmlns:r="http://schemas.openxmlformats.org/officeDocument/2006/relationships" xmlns:p="http://schemas.openxmlformats.org/presentationml/2006/main">
+  <p:cSld>
+    <p:spTree>
+      <p:nvGrpSpPr>
+        <p:cNvPr id="1" name=""/>
+        <p:cNvGrpSpPr/>
+        <p:nvPr/>
+      </p:nvGrpSpPr>
+      <p:grpSpPr>
+        <a:xfrm>
+          <a:off x="0" y="0"/>
+          <a:ext cx="0" cy="0"/>
+          <a:chOff x="0" y="0"/>
+          <a:chExt cx="0" cy="0"/>
+        </a:xfrm>
+      </p:grpSpPr>
+      <p:sp>
+        <p:nvSpPr>
+          <p:cNvPr id="2" name="标题 1"/>
+          <p:cNvSpPr>
+            <a:spLocks noGrp="1"/>
+          </p:cNvSpPr>
+          <p:nvPr>
+            <p:ph type="title"/>
+          </p:nvPr>
+        </p:nvSpPr>
+        <p:spPr/>
+        <p:txBody>
+          <a:bodyPr/>
+          <a:lstStyle/>
+          <a:p>
+            <a:r>
+              <a:rPr lang="zh-CN" altLang="en-US" dirty="0" smtClean="0"/>
+              <a:t>动画基本概念</a:t>
+            </a:r>
+            <a:endParaRPr lang="zh-CN" altLang="en-US" dirty="0"/>
+          </a:p>
+        </p:txBody>
+      </p:sp>
+      <p:sp>
+        <p:nvSpPr>
+          <p:cNvPr id="3" name="内容占位符 2"/>
+          <p:cNvSpPr>
+            <a:spLocks noGrp="1"/>
+          </p:cNvSpPr>
+          <p:nvPr>
+            <p:ph idx="1"/>
+          </p:nvPr>
+        </p:nvSpPr>
+        <p:spPr/>
+        <p:txBody>
+          <a:bodyPr/>
+          <a:lstStyle/>
+          <a:p>
+            <a:r>
+              <a:rPr lang="zh-CN" altLang="en-US" dirty="0" smtClean="0"/>
+              <a:t>动画 </a:t>
+            </a:r>
+            <a:r>
+              <a:rPr lang="en-US" altLang="zh-CN" dirty="0" smtClean="0"/>
+              <a:t>– </a:t>
+            </a:r>
+            <a:r>
+              <a:rPr lang="zh-CN" altLang="en-US" dirty="0" smtClean="0"/>
+              <a:t>连续播放的画面</a:t>
+            </a:r>
+            <a:endParaRPr lang="en-US" altLang="zh-CN" dirty="0" smtClean="0"/>
+          </a:p>
+          <a:p>
+            <a:pPr lvl="1"/>
+            <a:r>
+              <a:rPr lang="zh-CN" altLang="en-US" dirty="0"/>
+              <a:t>帧</a:t>
+            </a:r>
+            <a:r>
+              <a:rPr lang="zh-CN" altLang="en-US" dirty="0" smtClean="0"/>
+              <a:t>率：</a:t>
+            </a:r>
+            <a:r>
+              <a:rPr lang="en-US" altLang="zh-CN" dirty="0" smtClean="0"/>
+              <a:t>&gt; 24 frames per second (FPS)</a:t>
+            </a:r>
+          </a:p>
+          <a:p>
+            <a:pPr lvl="1"/>
+            <a:r>
+              <a:rPr lang="zh-CN" altLang="en-US" dirty="0" smtClean="0"/>
+              <a:t>预先保存的图像</a:t>
+            </a:r>
+            <a:endParaRPr lang="en-US" altLang="zh-CN" dirty="0" smtClean="0"/>
+          </a:p>
+          <a:p>
+            <a:pPr lvl="1"/>
+            <a:r>
+              <a:rPr lang="zh-CN" altLang="en-US" dirty="0" smtClean="0"/>
+              <a:t>实时计算的图像</a:t>
+            </a:r>
+            <a:endParaRPr lang="zh-CN" altLang="en-US" dirty="0"/>
+          </a:p>
+        </p:txBody>
+      </p:sp>
+    </p:spTree>
+    <p:extLst>
+      <p:ext uri="{BB962C8B-B14F-4D97-AF65-F5344CB8AC3E}">
+        <p14:creationId xmlns:p14="http://schemas.microsoft.com/office/powerpoint/2010/main" val="3589672391"/>
+      </p:ext>
+    </p:extLst>
+  </p:cSld>
+  <p:clrMapOvr>
+    <a:masterClrMapping/>
+  </p:clrMapOvr>
+  <p:timing>
+    <p:tnLst>
+      <p:par>
+        <p:cTn id="1" dur="indefinite" restart="never" nodeType="tmRoot"/>
+      </p:par>
+    </p:tnLst>
+  </p:timing>
+</p:sld>
+</file>
+
+<file path=ppt/slides/slide66.xml><?xml version="1.0" encoding="utf-8"?>
+<p:sld xmlns:a="http://schemas.openxmlformats.org/drawingml/2006/main" xmlns:r="http://schemas.openxmlformats.org/officeDocument/2006/relationships" xmlns:p="http://schemas.openxmlformats.org/presentationml/2006/main">
+  <p:cSld>
+    <p:spTree>
+      <p:nvGrpSpPr>
+        <p:cNvPr id="1" name=""/>
+        <p:cNvGrpSpPr/>
+        <p:nvPr/>
+      </p:nvGrpSpPr>
+      <p:grpSpPr>
+        <a:xfrm>
+          <a:off x="0" y="0"/>
+          <a:ext cx="0" cy="0"/>
+          <a:chOff x="0" y="0"/>
+          <a:chExt cx="0" cy="0"/>
+        </a:xfrm>
+      </p:grpSpPr>
+      <p:sp>
+        <p:nvSpPr>
+          <p:cNvPr id="11" name="标题 10"/>
+          <p:cNvSpPr>
+            <a:spLocks noGrp="1"/>
+          </p:cNvSpPr>
+          <p:nvPr>
+            <p:ph type="title"/>
+          </p:nvPr>
+        </p:nvSpPr>
+        <p:spPr/>
+        <p:txBody>
+          <a:bodyPr/>
+          <a:lstStyle/>
+          <a:p>
+            <a:r>
+              <a:rPr lang="zh-CN" altLang="en-US" dirty="0" smtClean="0"/>
+              <a:t>动画数据</a:t>
+            </a:r>
+            <a:endParaRPr lang="zh-CN" altLang="en-US" dirty="0"/>
+          </a:p>
+        </p:txBody>
+      </p:sp>
+      <p:sp>
+        <p:nvSpPr>
+          <p:cNvPr id="3" name="内容占位符 2"/>
+          <p:cNvSpPr>
+            <a:spLocks noGrp="1"/>
+          </p:cNvSpPr>
+          <p:nvPr>
+            <p:ph idx="1"/>
+          </p:nvPr>
+        </p:nvSpPr>
+        <p:spPr/>
+        <p:txBody>
+          <a:bodyPr>
+            <a:normAutofit/>
+          </a:bodyPr>
+          <a:lstStyle/>
+          <a:p>
+            <a:r>
+              <a:rPr lang="en-US" altLang="zh-CN" dirty="0" smtClean="0"/>
+              <a:t>#define NFRAMES  4 </a:t>
+            </a:r>
+            <a:r>
+              <a:rPr lang="en-US" altLang="zh-CN" dirty="0"/>
+              <a:t>//</a:t>
+            </a:r>
+            <a:r>
+              <a:rPr lang="zh-CN" altLang="en-US" dirty="0"/>
+              <a:t>画面帧数</a:t>
+            </a:r>
+            <a:endParaRPr lang="en-US" altLang="zh-CN" dirty="0"/>
+          </a:p>
+          <a:p>
+            <a:r>
+              <a:rPr lang="en-US" altLang="zh-CN" dirty="0" err="1" smtClean="0"/>
+              <a:t>LTexture</a:t>
+            </a:r>
+            <a:r>
+              <a:rPr lang="en-US" altLang="zh-CN" dirty="0" smtClean="0"/>
+              <a:t> </a:t>
+            </a:r>
+            <a:r>
+              <a:rPr lang="en-US" altLang="zh-CN" dirty="0" err="1" smtClean="0"/>
+              <a:t>gSpriteTexture</a:t>
+            </a:r>
+            <a:r>
+              <a:rPr lang="en-US" altLang="zh-CN" dirty="0" smtClean="0"/>
+              <a:t>; </a:t>
+            </a:r>
+            <a:r>
+              <a:rPr lang="en-US" altLang="zh-CN" dirty="0"/>
+              <a:t>//</a:t>
+            </a:r>
+            <a:r>
+              <a:rPr lang="zh-CN" altLang="en-US" dirty="0"/>
+              <a:t>图像</a:t>
+            </a:r>
+            <a:r>
+              <a:rPr lang="zh-CN" altLang="en-US" dirty="0" smtClean="0"/>
+              <a:t>纹理</a:t>
+            </a:r>
+            <a:endParaRPr lang="en-US" altLang="zh-CN" dirty="0" smtClean="0"/>
+          </a:p>
+          <a:p>
+            <a:r>
+              <a:rPr lang="en-US" altLang="zh-CN" dirty="0"/>
+              <a:t>//</a:t>
+            </a:r>
+            <a:r>
+              <a:rPr lang="zh-CN" altLang="en-US" dirty="0"/>
+              <a:t>裁剪矩形数组</a:t>
+            </a:r>
+            <a:endParaRPr lang="en-US" altLang="zh-CN" dirty="0"/>
+          </a:p>
+          <a:p>
+            <a:pPr lvl="0"/>
+            <a:r>
+              <a:rPr lang="en-US" altLang="zh-CN" dirty="0" err="1" smtClean="0"/>
+              <a:t>SDL_Rect</a:t>
+            </a:r>
+            <a:r>
+              <a:rPr lang="en-US" altLang="zh-CN" dirty="0" smtClean="0"/>
+              <a:t> </a:t>
+            </a:r>
+            <a:r>
+              <a:rPr lang="en-US" altLang="zh-CN" dirty="0" err="1" smtClean="0"/>
+              <a:t>gSpriteClips</a:t>
+            </a:r>
+            <a:r>
+              <a:rPr lang="en-US" altLang="zh-CN" dirty="0" smtClean="0"/>
+              <a:t>[ NFRAMES ]; </a:t>
+            </a:r>
+          </a:p>
+        </p:txBody>
+      </p:sp>
+      <p:grpSp>
+        <p:nvGrpSpPr>
+          <p:cNvPr id="6" name="组合 5"/>
+          <p:cNvGrpSpPr/>
+          <p:nvPr/>
+        </p:nvGrpSpPr>
+        <p:grpSpPr>
+          <a:xfrm>
+            <a:off x="2771800" y="4221088"/>
+            <a:ext cx="1808945" cy="1451994"/>
+            <a:chOff x="6520460" y="1769391"/>
+            <a:chExt cx="1808945" cy="1451994"/>
+          </a:xfrm>
+        </p:grpSpPr>
+        <p:pic>
+          <p:nvPicPr>
+            <p:cNvPr id="2050" name="Picture 2" descr="C:\Users\gabriel\Desktop\foo.png"/>
+            <p:cNvPicPr>
+              <a:picLocks noChangeAspect="1" noChangeArrowheads="1"/>
+            </p:cNvPicPr>
+            <p:nvPr/>
+          </p:nvPicPr>
+          <p:blipFill>
+            <a:blip r:embed="rId2">
+              <a:extLst>
+                <a:ext uri="{28A0092B-C50C-407E-A947-70E740481C1C}">
+                  <a14:useLocalDpi xmlns:a14="http://schemas.microsoft.com/office/drawing/2010/main" val="0"/>
+                </a:ext>
+              </a:extLst>
+            </a:blip>
+            <a:srcRect/>
+            <a:stretch>
+              <a:fillRect/>
+            </a:stretch>
+          </p:blipFill>
+          <p:spPr bwMode="auto">
+            <a:xfrm>
+              <a:off x="6520460" y="1772816"/>
+              <a:ext cx="1808945" cy="1448569"/>
+            </a:xfrm>
+            <a:prstGeom prst="rect">
+              <a:avLst/>
+            </a:prstGeom>
+            <a:noFill/>
+            <a:extLst>
+              <a:ext uri="{909E8E84-426E-40DD-AFC4-6F175D3DCCD1}">
+                <a14:hiddenFill xmlns:a14="http://schemas.microsoft.com/office/drawing/2010/main">
+                  <a:solidFill>
+                    <a:srgbClr val="FFFFFF"/>
+                  </a:solidFill>
+                </a14:hiddenFill>
+              </a:ext>
+            </a:extLst>
+          </p:spPr>
+        </p:pic>
+        <p:sp>
+          <p:nvSpPr>
+            <p:cNvPr id="2" name="矩形 1"/>
+            <p:cNvSpPr/>
+            <p:nvPr/>
+          </p:nvSpPr>
+          <p:spPr>
+            <a:xfrm>
+              <a:off x="6520460" y="1772816"/>
+              <a:ext cx="427804" cy="1448569"/>
+            </a:xfrm>
+            <a:prstGeom prst="rect">
+              <a:avLst/>
+            </a:prstGeom>
+            <a:noFill/>
+            <a:ln>
+              <a:solidFill>
+                <a:srgbClr val="FF0000"/>
+              </a:solidFill>
+            </a:ln>
+          </p:spPr>
+          <p:style>
+            <a:lnRef idx="2">
+              <a:schemeClr val="accent1">
+                <a:shade val="50000"/>
+              </a:schemeClr>
+            </a:lnRef>
+            <a:fillRef idx="1">
+              <a:schemeClr val="accent1"/>
+            </a:fillRef>
+            <a:effectRef idx="0">
+              <a:schemeClr val="accent1"/>
+            </a:effectRef>
+            <a:fontRef idx="minor">
+              <a:schemeClr val="lt1"/>
+            </a:fontRef>
+          </p:style>
+          <p:txBody>
+            <a:bodyPr rtlCol="0" anchor="ctr"/>
+            <a:lstStyle/>
+            <a:p>
+              <a:pPr algn="ctr"/>
+              <a:endParaRPr lang="zh-CN" altLang="en-US"/>
+            </a:p>
+          </p:txBody>
+        </p:sp>
+        <p:sp>
+          <p:nvSpPr>
+            <p:cNvPr id="8" name="矩形 7"/>
+            <p:cNvSpPr/>
+            <p:nvPr/>
+          </p:nvSpPr>
+          <p:spPr>
+            <a:xfrm>
+              <a:off x="6948264" y="1772815"/>
+              <a:ext cx="508300" cy="1448569"/>
+            </a:xfrm>
+            <a:prstGeom prst="rect">
+              <a:avLst/>
+            </a:prstGeom>
+            <a:noFill/>
+            <a:ln>
+              <a:solidFill>
+                <a:srgbClr val="FF0000"/>
+              </a:solidFill>
+            </a:ln>
+          </p:spPr>
+          <p:style>
+            <a:lnRef idx="2">
+              <a:schemeClr val="accent1">
+                <a:shade val="50000"/>
+              </a:schemeClr>
+            </a:lnRef>
+            <a:fillRef idx="1">
+              <a:schemeClr val="accent1"/>
+            </a:fillRef>
+            <a:effectRef idx="0">
+              <a:schemeClr val="accent1"/>
+            </a:effectRef>
+            <a:fontRef idx="minor">
+              <a:schemeClr val="lt1"/>
+            </a:fontRef>
+          </p:style>
+          <p:txBody>
+            <a:bodyPr rtlCol="0" anchor="ctr"/>
+            <a:lstStyle/>
+            <a:p>
+              <a:pPr algn="ctr"/>
+              <a:endParaRPr lang="zh-CN" altLang="en-US"/>
+            </a:p>
+          </p:txBody>
+        </p:sp>
+        <p:sp>
+          <p:nvSpPr>
+            <p:cNvPr id="9" name="矩形 8"/>
+            <p:cNvSpPr/>
+            <p:nvPr/>
+          </p:nvSpPr>
+          <p:spPr>
+            <a:xfrm>
+              <a:off x="7456564" y="1772816"/>
+              <a:ext cx="427804" cy="1448569"/>
+            </a:xfrm>
+            <a:prstGeom prst="rect">
+              <a:avLst/>
+            </a:prstGeom>
+            <a:noFill/>
+            <a:ln>
+              <a:solidFill>
+                <a:srgbClr val="FF0000"/>
+              </a:solidFill>
+            </a:ln>
+          </p:spPr>
+          <p:style>
+            <a:lnRef idx="2">
+              <a:schemeClr val="accent1">
+                <a:shade val="50000"/>
+              </a:schemeClr>
+            </a:lnRef>
+            <a:fillRef idx="1">
+              <a:schemeClr val="accent1"/>
+            </a:fillRef>
+            <a:effectRef idx="0">
+              <a:schemeClr val="accent1"/>
+            </a:effectRef>
+            <a:fontRef idx="minor">
+              <a:schemeClr val="lt1"/>
+            </a:fontRef>
+          </p:style>
+          <p:txBody>
+            <a:bodyPr rtlCol="0" anchor="ctr"/>
+            <a:lstStyle/>
+            <a:p>
+              <a:pPr algn="ctr"/>
+              <a:endParaRPr lang="zh-CN" altLang="en-US"/>
+            </a:p>
+          </p:txBody>
+        </p:sp>
+        <p:sp>
+          <p:nvSpPr>
+            <p:cNvPr id="10" name="矩形 9"/>
+            <p:cNvSpPr/>
+            <p:nvPr/>
+          </p:nvSpPr>
+          <p:spPr>
+            <a:xfrm>
+              <a:off x="7873361" y="1769391"/>
+              <a:ext cx="456044" cy="1448569"/>
+            </a:xfrm>
+            <a:prstGeom prst="rect">
+              <a:avLst/>
+            </a:prstGeom>
+            <a:noFill/>
+            <a:ln>
+              <a:solidFill>
+                <a:srgbClr val="FF0000"/>
+              </a:solidFill>
+            </a:ln>
+          </p:spPr>
+          <p:style>
+            <a:lnRef idx="2">
+              <a:schemeClr val="accent1">
+                <a:shade val="50000"/>
+              </a:schemeClr>
+            </a:lnRef>
+            <a:fillRef idx="1">
+              <a:schemeClr val="accent1"/>
+            </a:fillRef>
+            <a:effectRef idx="0">
+              <a:schemeClr val="accent1"/>
+            </a:effectRef>
+            <a:fontRef idx="minor">
+              <a:schemeClr val="lt1"/>
+            </a:fontRef>
+          </p:style>
+          <p:txBody>
+            <a:bodyPr rtlCol="0" anchor="ctr"/>
+            <a:lstStyle/>
+            <a:p>
+              <a:pPr algn="ctr"/>
+              <a:endParaRPr lang="zh-CN" altLang="en-US"/>
+            </a:p>
+          </p:txBody>
+        </p:sp>
+      </p:grpSp>
+    </p:spTree>
+    <p:extLst>
+      <p:ext uri="{BB962C8B-B14F-4D97-AF65-F5344CB8AC3E}">
+        <p14:creationId xmlns:p14="http://schemas.microsoft.com/office/powerpoint/2010/main" val="2782247643"/>
+      </p:ext>
+    </p:extLst>
+  </p:cSld>
+  <p:clrMapOvr>
+    <a:masterClrMapping/>
+  </p:clrMapOvr>
+  <p:timing>
+    <p:tnLst>
+      <p:par>
+        <p:cTn id="1" dur="indefinite" restart="never" nodeType="tmRoot"/>
+      </p:par>
+    </p:tnLst>
+  </p:timing>
+</p:sld>
+</file>
+
+<file path=ppt/slides/slide67.xml><?xml version="1.0" encoding="utf-8"?>
+<p:sld xmlns:a="http://schemas.openxmlformats.org/drawingml/2006/main" xmlns:r="http://schemas.openxmlformats.org/officeDocument/2006/relationships" xmlns:p="http://schemas.openxmlformats.org/presentationml/2006/main">
+  <p:cSld>
+    <p:spTree>
+      <p:nvGrpSpPr>
+        <p:cNvPr id="1" name=""/>
+        <p:cNvGrpSpPr/>
+        <p:nvPr/>
+      </p:nvGrpSpPr>
+      <p:grpSpPr>
+        <a:xfrm>
+          <a:off x="0" y="0"/>
+          <a:ext cx="0" cy="0"/>
+          <a:chOff x="0" y="0"/>
+          <a:chExt cx="0" cy="0"/>
+        </a:xfrm>
+      </p:grpSpPr>
+      <p:sp>
+        <p:nvSpPr>
+          <p:cNvPr id="11" name="标题 10"/>
+          <p:cNvSpPr>
+            <a:spLocks noGrp="1"/>
+          </p:cNvSpPr>
+          <p:nvPr>
+            <p:ph type="title"/>
+          </p:nvPr>
+        </p:nvSpPr>
+        <p:spPr/>
+        <p:txBody>
+          <a:bodyPr/>
+          <a:lstStyle/>
+          <a:p>
+            <a:r>
+              <a:rPr lang="en-US" altLang="zh-CN" smtClean="0"/>
+              <a:t> loadMedia()</a:t>
+            </a:r>
+            <a:endParaRPr lang="zh-CN" altLang="en-US" dirty="0"/>
+          </a:p>
+        </p:txBody>
+      </p:sp>
+      <p:sp>
+        <p:nvSpPr>
+          <p:cNvPr id="2" name="内容占位符 1"/>
+          <p:cNvSpPr>
+            <a:spLocks noGrp="1"/>
+          </p:cNvSpPr>
+          <p:nvPr>
+            <p:ph idx="1"/>
+          </p:nvPr>
+        </p:nvSpPr>
+        <p:spPr/>
+        <p:txBody>
+          <a:bodyPr>
+            <a:normAutofit fontScale="70000" lnSpcReduction="20000"/>
+          </a:bodyPr>
+          <a:lstStyle/>
+          <a:p>
+            <a:pPr marL="0" lvl="0" indent="0">
+              <a:buNone/>
+            </a:pPr>
+            <a:r>
+              <a:rPr lang="en-US" altLang="zh-CN" dirty="0" err="1" smtClean="0"/>
+              <a:t>gTexture</a:t>
+            </a:r>
+            <a:r>
+              <a:rPr lang="en-US" altLang="zh-CN" dirty="0" smtClean="0"/>
+              <a:t> = </a:t>
+            </a:r>
+            <a:r>
+              <a:rPr lang="en-US" altLang="zh-CN" dirty="0" err="1" smtClean="0"/>
+              <a:t>loadTexture</a:t>
+            </a:r>
+            <a:r>
+              <a:rPr lang="en-US" altLang="zh-CN" dirty="0" smtClean="0"/>
+              <a:t>( "animation.png" );</a:t>
+            </a:r>
+          </a:p>
+          <a:p>
+            <a:pPr marL="0" lvl="0" indent="0">
+              <a:buNone/>
+            </a:pPr>
+            <a:r>
+              <a:rPr lang="en-US" altLang="zh-CN" dirty="0" smtClean="0"/>
+              <a:t>//</a:t>
+            </a:r>
+            <a:r>
+              <a:rPr lang="zh-CN" altLang="en-US" dirty="0" smtClean="0"/>
+              <a:t>裁剪矩形</a:t>
+            </a:r>
+            <a:r>
+              <a:rPr lang="en-US" altLang="zh-CN" dirty="0" smtClean="0"/>
+              <a:t>0</a:t>
+            </a:r>
+          </a:p>
+          <a:p>
+            <a:pPr marL="0" lvl="0" indent="0">
+              <a:buNone/>
+            </a:pPr>
+            <a:r>
+              <a:rPr lang="en-US" altLang="zh-CN" dirty="0" err="1" smtClean="0"/>
+              <a:t>gSpriteClips</a:t>
+            </a:r>
+            <a:r>
+              <a:rPr lang="en-US" altLang="zh-CN" dirty="0" smtClean="0"/>
+              <a:t>[ 0 ].x =   0; </a:t>
+            </a:r>
+            <a:r>
+              <a:rPr lang="en-US" altLang="zh-CN" dirty="0" err="1" smtClean="0"/>
+              <a:t>gSpriteClips</a:t>
+            </a:r>
+            <a:r>
+              <a:rPr lang="en-US" altLang="zh-CN" dirty="0" smtClean="0"/>
+              <a:t>[ 0 ].y =   0; </a:t>
+            </a:r>
+          </a:p>
+          <a:p>
+            <a:pPr marL="0" lvl="0" indent="0">
+              <a:buNone/>
+            </a:pPr>
+            <a:r>
+              <a:rPr lang="en-US" altLang="zh-CN" dirty="0" err="1" smtClean="0"/>
+              <a:t>gSpriteClips</a:t>
+            </a:r>
+            <a:r>
+              <a:rPr lang="en-US" altLang="zh-CN" dirty="0" smtClean="0"/>
+              <a:t>[ 0 ].w =  64; </a:t>
+            </a:r>
+            <a:r>
+              <a:rPr lang="en-US" altLang="zh-CN" dirty="0" err="1" smtClean="0"/>
+              <a:t>gSpriteClips</a:t>
+            </a:r>
+            <a:r>
+              <a:rPr lang="en-US" altLang="zh-CN" dirty="0" smtClean="0"/>
+              <a:t>[ 0 ].h = 205;</a:t>
+            </a:r>
+          </a:p>
+          <a:p>
+            <a:pPr marL="0" lvl="0" indent="0">
+              <a:buNone/>
+            </a:pPr>
+            <a:r>
+              <a:rPr lang="en-US" altLang="zh-CN" dirty="0" smtClean="0"/>
+              <a:t>//</a:t>
+            </a:r>
+            <a:r>
+              <a:rPr lang="zh-CN" altLang="en-US" dirty="0" smtClean="0"/>
+              <a:t>裁剪矩形</a:t>
+            </a:r>
+            <a:r>
+              <a:rPr lang="en-US" altLang="zh-CN" dirty="0" smtClean="0"/>
+              <a:t>1</a:t>
+            </a:r>
+          </a:p>
+          <a:p>
+            <a:pPr marL="0" lvl="0" indent="0">
+              <a:buNone/>
+            </a:pPr>
+            <a:r>
+              <a:rPr lang="en-US" altLang="zh-CN" dirty="0" err="1" smtClean="0"/>
+              <a:t>gSpriteClips</a:t>
+            </a:r>
+            <a:r>
+              <a:rPr lang="en-US" altLang="zh-CN" dirty="0" smtClean="0"/>
+              <a:t>[ 1 ].x =  64; </a:t>
+            </a:r>
+            <a:r>
+              <a:rPr lang="en-US" altLang="zh-CN" dirty="0" err="1" smtClean="0"/>
+              <a:t>gSpriteClips</a:t>
+            </a:r>
+            <a:r>
+              <a:rPr lang="en-US" altLang="zh-CN" dirty="0" smtClean="0"/>
+              <a:t>[ 1 ].y =   0; </a:t>
+            </a:r>
+          </a:p>
+          <a:p>
+            <a:pPr marL="0" lvl="0" indent="0">
+              <a:buNone/>
+            </a:pPr>
+            <a:r>
+              <a:rPr lang="en-US" altLang="zh-CN" dirty="0" err="1" smtClean="0"/>
+              <a:t>gSpriteClips</a:t>
+            </a:r>
+            <a:r>
+              <a:rPr lang="en-US" altLang="zh-CN" dirty="0" smtClean="0"/>
+              <a:t>[ 1 ].w =  64; </a:t>
+            </a:r>
+            <a:r>
+              <a:rPr lang="en-US" altLang="zh-CN" dirty="0" err="1" smtClean="0"/>
+              <a:t>gSpriteClips</a:t>
+            </a:r>
+            <a:r>
+              <a:rPr lang="en-US" altLang="zh-CN" dirty="0" smtClean="0"/>
+              <a:t>[ 1 ].h = 205;</a:t>
+            </a:r>
+          </a:p>
+          <a:p>
+            <a:pPr marL="0" indent="0">
+              <a:buNone/>
+            </a:pPr>
+            <a:r>
+              <a:rPr lang="en-US" altLang="zh-CN" dirty="0" smtClean="0"/>
+              <a:t>//</a:t>
+            </a:r>
+            <a:r>
+              <a:rPr lang="zh-CN" altLang="en-US" dirty="0" smtClean="0"/>
+              <a:t>裁剪矩形</a:t>
+            </a:r>
+            <a:r>
+              <a:rPr lang="en-US" altLang="zh-CN" dirty="0" smtClean="0"/>
+              <a:t>2</a:t>
+            </a:r>
+          </a:p>
+          <a:p>
+            <a:pPr marL="0" lvl="0" indent="0">
+              <a:buNone/>
+            </a:pPr>
+            <a:r>
+              <a:rPr lang="en-US" altLang="zh-CN" dirty="0" err="1" smtClean="0"/>
+              <a:t>gSpriteClips</a:t>
+            </a:r>
+            <a:r>
+              <a:rPr lang="en-US" altLang="zh-CN" dirty="0" smtClean="0"/>
+              <a:t>[ 2 ].x = 128; </a:t>
+            </a:r>
+            <a:r>
+              <a:rPr lang="en-US" altLang="zh-CN" dirty="0" err="1" smtClean="0"/>
+              <a:t>gSpriteClips</a:t>
+            </a:r>
+            <a:r>
+              <a:rPr lang="en-US" altLang="zh-CN" dirty="0" smtClean="0"/>
+              <a:t>[ 2 ].y =   0; </a:t>
+            </a:r>
+          </a:p>
+          <a:p>
+            <a:pPr marL="0" lvl="0" indent="0">
+              <a:buNone/>
+            </a:pPr>
+            <a:r>
+              <a:rPr lang="en-US" altLang="zh-CN" dirty="0" err="1" smtClean="0"/>
+              <a:t>gSpriteClips</a:t>
+            </a:r>
+            <a:r>
+              <a:rPr lang="en-US" altLang="zh-CN" dirty="0" smtClean="0"/>
+              <a:t>[ 2 ].w =  64; </a:t>
+            </a:r>
+            <a:r>
+              <a:rPr lang="en-US" altLang="zh-CN" dirty="0" err="1" smtClean="0"/>
+              <a:t>gSpriteClips</a:t>
+            </a:r>
+            <a:r>
+              <a:rPr lang="en-US" altLang="zh-CN" dirty="0" smtClean="0"/>
+              <a:t>[ 2 ].h = 205;</a:t>
+            </a:r>
+          </a:p>
+          <a:p>
+            <a:pPr marL="0" indent="0">
+              <a:buNone/>
+            </a:pPr>
+            <a:r>
+              <a:rPr lang="en-US" altLang="zh-CN" dirty="0" smtClean="0"/>
+              <a:t>//</a:t>
+            </a:r>
+            <a:r>
+              <a:rPr lang="zh-CN" altLang="en-US" dirty="0" smtClean="0"/>
+              <a:t>裁剪矩形</a:t>
+            </a:r>
+            <a:r>
+              <a:rPr lang="en-US" altLang="zh-CN" dirty="0" smtClean="0"/>
+              <a:t>3</a:t>
+            </a:r>
+          </a:p>
+          <a:p>
+            <a:pPr marL="0" lvl="0" indent="0">
+              <a:buNone/>
+            </a:pPr>
+            <a:r>
+              <a:rPr lang="en-US" altLang="zh-CN" dirty="0" err="1" smtClean="0"/>
+              <a:t>gSpriteClips</a:t>
+            </a:r>
+            <a:r>
+              <a:rPr lang="en-US" altLang="zh-CN" dirty="0" smtClean="0"/>
+              <a:t>[ 3 ].x = 196; </a:t>
+            </a:r>
+            <a:r>
+              <a:rPr lang="en-US" altLang="zh-CN" dirty="0" err="1" smtClean="0"/>
+              <a:t>gSpriteClips</a:t>
+            </a:r>
+            <a:r>
+              <a:rPr lang="en-US" altLang="zh-CN" dirty="0" smtClean="0"/>
+              <a:t>[ 3 ].y =   0; </a:t>
+            </a:r>
+          </a:p>
+          <a:p>
+            <a:pPr marL="0" lvl="0" indent="0">
+              <a:buNone/>
+            </a:pPr>
+            <a:r>
+              <a:rPr lang="en-US" altLang="zh-CN" dirty="0" err="1" smtClean="0"/>
+              <a:t>gSpriteClips</a:t>
+            </a:r>
+            <a:r>
+              <a:rPr lang="en-US" altLang="zh-CN" dirty="0" smtClean="0"/>
+              <a:t>[ 3 ].w =  64; </a:t>
+            </a:r>
+            <a:r>
+              <a:rPr lang="en-US" altLang="zh-CN" dirty="0" err="1" smtClean="0"/>
+              <a:t>gSpriteClips</a:t>
+            </a:r>
+            <a:r>
+              <a:rPr lang="en-US" altLang="zh-CN" dirty="0" smtClean="0"/>
+              <a:t>[ 3 ].h = 205;</a:t>
+            </a:r>
+          </a:p>
+          <a:p>
+            <a:pPr marL="0" indent="0">
+              <a:buNone/>
+            </a:pPr>
+            <a:endParaRPr lang="zh-CN" altLang="en-US" dirty="0" smtClean="0"/>
+          </a:p>
+          <a:p>
+            <a:pPr marL="0" indent="0">
+              <a:buNone/>
+            </a:pPr>
+            <a:endParaRPr lang="zh-CN" altLang="en-US" dirty="0"/>
+          </a:p>
+        </p:txBody>
+      </p:sp>
+      <p:pic>
+        <p:nvPicPr>
+          <p:cNvPr id="3075" name="Picture 3" descr="C:\Users\gabriel\Desktop\foo.png"/>
+          <p:cNvPicPr>
+            <a:picLocks noChangeAspect="1" noChangeArrowheads="1"/>
+          </p:cNvPicPr>
+          <p:nvPr/>
+        </p:nvPicPr>
+        <p:blipFill>
+          <a:blip r:embed="rId3">
+            <a:extLst>
+              <a:ext uri="{28A0092B-C50C-407E-A947-70E740481C1C}">
+                <a14:useLocalDpi xmlns:a14="http://schemas.microsoft.com/office/drawing/2010/main" val="0"/>
+              </a:ext>
+            </a:extLst>
+          </a:blip>
+          <a:srcRect/>
+          <a:stretch>
+            <a:fillRect/>
+          </a:stretch>
+        </p:blipFill>
+        <p:spPr bwMode="auto">
+          <a:xfrm>
+            <a:off x="6300192" y="1340768"/>
+            <a:ext cx="2787590" cy="2232248"/>
+          </a:xfrm>
+          <a:prstGeom prst="rect">
+            <a:avLst/>
+          </a:prstGeom>
+          <a:noFill/>
+          <a:extLst>
+            <a:ext uri="{909E8E84-426E-40DD-AFC4-6F175D3DCCD1}">
+              <a14:hiddenFill xmlns:a14="http://schemas.microsoft.com/office/drawing/2010/main">
+                <a:solidFill>
+                  <a:srgbClr val="FFFFFF"/>
+                </a:solidFill>
+              </a14:hiddenFill>
+            </a:ext>
+          </a:extLst>
+        </p:spPr>
+      </p:pic>
+    </p:spTree>
+    <p:extLst>
+      <p:ext uri="{BB962C8B-B14F-4D97-AF65-F5344CB8AC3E}">
+        <p14:creationId xmlns:p14="http://schemas.microsoft.com/office/powerpoint/2010/main" val="445826540"/>
+      </p:ext>
+    </p:extLst>
+  </p:cSld>
+  <p:clrMapOvr>
+    <a:masterClrMapping/>
+  </p:clrMapOvr>
+  <p:timing>
+    <p:tnLst>
+      <p:par>
+        <p:cTn id="1" dur="indefinite" restart="never" nodeType="tmRoot"/>
+      </p:par>
+    </p:tnLst>
+  </p:timing>
+</p:sld>
+</file>
+
+<file path=ppt/slides/slide68.xml><?xml version="1.0" encoding="utf-8"?>
+<p:sld xmlns:a="http://schemas.openxmlformats.org/drawingml/2006/main" xmlns:r="http://schemas.openxmlformats.org/officeDocument/2006/relationships" xmlns:p="http://schemas.openxmlformats.org/presentationml/2006/main">
+  <p:cSld>
+    <p:spTree>
+      <p:nvGrpSpPr>
+        <p:cNvPr id="1" name=""/>
+        <p:cNvGrpSpPr/>
+        <p:nvPr/>
+      </p:nvGrpSpPr>
+      <p:grpSpPr>
+        <a:xfrm>
+          <a:off x="0" y="0"/>
+          <a:ext cx="0" cy="0"/>
+          <a:chOff x="0" y="0"/>
+          <a:chExt cx="0" cy="0"/>
+        </a:xfrm>
+      </p:grpSpPr>
+      <p:sp>
+        <p:nvSpPr>
+          <p:cNvPr id="11" name="标题 10"/>
+          <p:cNvSpPr>
+            <a:spLocks noGrp="1"/>
+          </p:cNvSpPr>
+          <p:nvPr>
+            <p:ph type="title"/>
+          </p:nvPr>
+        </p:nvSpPr>
+        <p:spPr/>
+        <p:txBody>
+          <a:bodyPr/>
+          <a:lstStyle/>
+          <a:p>
+            <a:r>
+              <a:rPr lang="zh-CN" altLang="en-US" smtClean="0"/>
+              <a:t>指定透明像素值</a:t>
+            </a:r>
+            <a:endParaRPr lang="zh-CN" altLang="en-US" dirty="0"/>
+          </a:p>
+        </p:txBody>
+      </p:sp>
+      <p:sp>
+        <p:nvSpPr>
+          <p:cNvPr id="4" name="内容占位符 3"/>
+          <p:cNvSpPr>
+            <a:spLocks noGrp="1"/>
+          </p:cNvSpPr>
+          <p:nvPr>
+            <p:ph idx="1"/>
+          </p:nvPr>
+        </p:nvSpPr>
+        <p:spPr/>
+        <p:txBody>
+          <a:bodyPr/>
+          <a:lstStyle/>
+          <a:p>
+            <a:pPr marL="0" indent="0">
+              <a:buNone/>
+            </a:pPr>
+            <a:r>
+              <a:rPr lang="en-US" altLang="zh-CN" dirty="0" smtClean="0"/>
+              <a:t>//</a:t>
+            </a:r>
+            <a:r>
+              <a:rPr lang="zh-CN" altLang="en-US" dirty="0" smtClean="0"/>
+              <a:t>以给定的</a:t>
+            </a:r>
+            <a:r>
+              <a:rPr lang="en-US" altLang="zh-CN" dirty="0" smtClean="0"/>
+              <a:t>format</a:t>
+            </a:r>
+            <a:r>
+              <a:rPr lang="zh-CN" altLang="en-US" dirty="0" smtClean="0"/>
+              <a:t>创建一个颜色值</a:t>
+            </a:r>
+            <a:endParaRPr lang="en-US" altLang="zh-CN" dirty="0" smtClean="0"/>
+          </a:p>
+          <a:p>
+            <a:pPr marL="0" lvl="0" indent="0">
+              <a:buNone/>
+            </a:pPr>
+            <a:r>
+              <a:rPr lang="en-US" altLang="zh-CN" dirty="0" smtClean="0"/>
+              <a:t>Uint32 c = </a:t>
+            </a:r>
+            <a:r>
+              <a:rPr lang="en-US" altLang="zh-CN" dirty="0" err="1" smtClean="0"/>
+              <a:t>SDL_MapRGB</a:t>
+            </a:r>
+            <a:r>
+              <a:rPr lang="en-US" altLang="zh-CN" dirty="0" smtClean="0"/>
+              <a:t>( </a:t>
+            </a:r>
+            <a:r>
+              <a:rPr lang="en-US" altLang="zh-CN" dirty="0" err="1" smtClean="0"/>
+              <a:t>loadedSurface</a:t>
+            </a:r>
+            <a:r>
+              <a:rPr lang="en-US" altLang="zh-CN" dirty="0" smtClean="0"/>
+              <a:t> -&gt; </a:t>
+            </a:r>
+          </a:p>
+          <a:p>
+            <a:pPr marL="0" lvl="0" indent="0">
+              <a:buNone/>
+            </a:pPr>
+            <a:r>
+              <a:rPr lang="en-US" altLang="zh-CN" dirty="0" smtClean="0"/>
+              <a:t>                   format,  0,  0xFF,  0xFF );</a:t>
+            </a:r>
+          </a:p>
+          <a:p>
+            <a:pPr marL="0" lvl="0" indent="0">
+              <a:buNone/>
+            </a:pPr>
+            <a:r>
+              <a:rPr lang="en-US" altLang="zh-CN" dirty="0" smtClean="0"/>
+              <a:t>//</a:t>
+            </a:r>
+            <a:r>
+              <a:rPr lang="zh-CN" altLang="en-US" dirty="0" smtClean="0"/>
+              <a:t>将该颜色指定为透明，不予显示</a:t>
+            </a:r>
+            <a:endParaRPr lang="en-US" altLang="zh-CN" dirty="0" smtClean="0"/>
+          </a:p>
+          <a:p>
+            <a:pPr marL="0" lvl="0" indent="0">
+              <a:buNone/>
+            </a:pPr>
+            <a:r>
+              <a:rPr lang="en-US" altLang="zh-CN" dirty="0" err="1" smtClean="0"/>
+              <a:t>SDL_SetColorKey</a:t>
+            </a:r>
+            <a:r>
+              <a:rPr lang="en-US" altLang="zh-CN" dirty="0" smtClean="0"/>
+              <a:t>(</a:t>
+            </a:r>
+            <a:r>
+              <a:rPr lang="en-US" altLang="zh-CN" dirty="0" err="1" smtClean="0"/>
+              <a:t>loadedSurface</a:t>
+            </a:r>
+            <a:r>
+              <a:rPr lang="en-US" altLang="zh-CN" dirty="0" smtClean="0"/>
+              <a:t>, SDL_TRUE, c )</a:t>
+            </a:r>
+            <a:r>
+              <a:rPr lang="en-US" altLang="zh-CN" dirty="0"/>
+              <a:t>;</a:t>
+            </a:r>
+            <a:endParaRPr lang="en-US" altLang="zh-CN" dirty="0" smtClean="0"/>
+          </a:p>
+        </p:txBody>
+      </p:sp>
+    </p:spTree>
+    <p:extLst>
+      <p:ext uri="{BB962C8B-B14F-4D97-AF65-F5344CB8AC3E}">
+        <p14:creationId xmlns:p14="http://schemas.microsoft.com/office/powerpoint/2010/main" val="2462882202"/>
+      </p:ext>
+    </p:extLst>
+  </p:cSld>
+  <p:clrMapOvr>
+    <a:masterClrMapping/>
+  </p:clrMapOvr>
+  <mc:AlternateContent xmlns:mc="http://schemas.openxmlformats.org/markup-compatibility/2006" xmlns:p14="http://schemas.microsoft.com/office/powerpoint/2010/main">
+    <mc:Choice Requires="p14">
+      <p:transition p14:dur="10"/>
+    </mc:Choice>
+    <mc:Fallback xmlns="">
+      <p:transition/>
+    </mc:Fallback>
+  </mc:AlternateContent>
+  <p:timing>
+    <p:tnLst>
+      <p:par>
+        <p:cTn id="1" dur="indefinite" restart="never" nodeType="tmRoot"/>
+      </p:par>
+    </p:tnLst>
+  </p:timing>
+</p:sld>
+</file>
+
+<file path=ppt/slides/slide69.xml><?xml version="1.0" encoding="utf-8"?>
+<p:sld xmlns:a="http://schemas.openxmlformats.org/drawingml/2006/main" xmlns:r="http://schemas.openxmlformats.org/officeDocument/2006/relationships" xmlns:p="http://schemas.openxmlformats.org/presentationml/2006/main">
+  <p:cSld>
+    <p:spTree>
+      <p:nvGrpSpPr>
+        <p:cNvPr id="1" name=""/>
+        <p:cNvGrpSpPr/>
+        <p:nvPr/>
+      </p:nvGrpSpPr>
+      <p:grpSpPr>
+        <a:xfrm>
+          <a:off x="0" y="0"/>
+          <a:ext cx="0" cy="0"/>
+          <a:chOff x="0" y="0"/>
+          <a:chExt cx="0" cy="0"/>
+        </a:xfrm>
+      </p:grpSpPr>
+      <p:sp>
+        <p:nvSpPr>
+          <p:cNvPr id="11" name="标题 10"/>
+          <p:cNvSpPr>
+            <a:spLocks noGrp="1"/>
+          </p:cNvSpPr>
+          <p:nvPr>
+            <p:ph type="title"/>
+          </p:nvPr>
+        </p:nvSpPr>
+        <p:spPr/>
+        <p:txBody>
+          <a:bodyPr/>
+          <a:lstStyle/>
+          <a:p>
+            <a:r>
+              <a:rPr lang="zh-CN" altLang="en-US" dirty="0" smtClean="0"/>
+              <a:t>绘制动画帧</a:t>
+            </a:r>
+            <a:endParaRPr lang="zh-CN" altLang="en-US" dirty="0"/>
+          </a:p>
+        </p:txBody>
+      </p:sp>
+      <p:sp>
+        <p:nvSpPr>
+          <p:cNvPr id="4" name="内容占位符 3"/>
+          <p:cNvSpPr>
+            <a:spLocks noGrp="1"/>
+          </p:cNvSpPr>
+          <p:nvPr>
+            <p:ph idx="1"/>
+          </p:nvPr>
+        </p:nvSpPr>
+        <p:spPr>
+          <a:xfrm>
+            <a:off x="107504" y="1379909"/>
+            <a:ext cx="8928992" cy="5001419"/>
+          </a:xfrm>
+        </p:spPr>
+        <p:txBody>
+          <a:bodyPr>
+            <a:noAutofit/>
+          </a:bodyPr>
+          <a:lstStyle/>
+          <a:p>
+            <a:pPr marL="0" lvl="0" indent="0" fontAlgn="base">
+              <a:spcAft>
+                <a:spcPct val="0"/>
+              </a:spcAft>
+              <a:buNone/>
+            </a:pPr>
+            <a:r>
+              <a:rPr lang="en-US" altLang="zh-CN" sz="1600" b="1" kern="0" dirty="0">
+                <a:latin typeface="Courier New"/>
+              </a:rPr>
+              <a:t>void </a:t>
+            </a:r>
+            <a:r>
+              <a:rPr lang="en-US" altLang="zh-CN" sz="1600" b="1" kern="0" dirty="0" err="1">
+                <a:latin typeface="Courier New"/>
+              </a:rPr>
+              <a:t>spriteRendering</a:t>
+            </a:r>
+            <a:r>
+              <a:rPr lang="en-US" altLang="zh-CN" sz="1600" b="1" kern="0" dirty="0">
+                <a:latin typeface="Courier New"/>
+              </a:rPr>
+              <a:t>()</a:t>
+            </a:r>
+          </a:p>
+          <a:p>
+            <a:pPr marL="0" lvl="0" indent="0" fontAlgn="base">
+              <a:spcAft>
+                <a:spcPct val="0"/>
+              </a:spcAft>
+              <a:buNone/>
+            </a:pPr>
+            <a:r>
+              <a:rPr lang="en-US" altLang="zh-CN" sz="1600" b="1" kern="0" dirty="0">
+                <a:latin typeface="Courier New"/>
+              </a:rPr>
+              <a:t>{</a:t>
+            </a:r>
+          </a:p>
+          <a:p>
+            <a:pPr marL="0" lvl="0" indent="0" fontAlgn="base">
+              <a:spcAft>
+                <a:spcPct val="0"/>
+              </a:spcAft>
+              <a:buNone/>
+            </a:pPr>
+            <a:r>
+              <a:rPr lang="en-US" altLang="zh-CN" sz="1600" b="1" kern="0" dirty="0">
+                <a:latin typeface="Courier New"/>
+              </a:rPr>
+              <a:t>    static </a:t>
+            </a:r>
+            <a:r>
+              <a:rPr lang="en-US" altLang="zh-CN" sz="1600" b="1" kern="0" dirty="0" err="1">
+                <a:latin typeface="Courier New"/>
+              </a:rPr>
+              <a:t>int</a:t>
+            </a:r>
+            <a:r>
+              <a:rPr lang="en-US" altLang="zh-CN" sz="1600" b="1" kern="0" dirty="0">
+                <a:latin typeface="Courier New"/>
+              </a:rPr>
+              <a:t> </a:t>
+            </a:r>
+            <a:r>
+              <a:rPr lang="en-US" altLang="zh-CN" sz="1600" b="1" kern="0" dirty="0" err="1">
+                <a:latin typeface="Courier New"/>
+              </a:rPr>
+              <a:t>currentFrame</a:t>
+            </a:r>
+            <a:r>
+              <a:rPr lang="en-US" altLang="zh-CN" sz="1600" b="1" kern="0" dirty="0">
+                <a:latin typeface="Courier New"/>
+              </a:rPr>
+              <a:t> = 0;</a:t>
+            </a:r>
+          </a:p>
+          <a:p>
+            <a:pPr marL="0" lvl="0" indent="0" fontAlgn="base">
+              <a:spcAft>
+                <a:spcPct val="0"/>
+              </a:spcAft>
+              <a:buNone/>
+            </a:pPr>
+            <a:r>
+              <a:rPr lang="en-US" altLang="zh-CN" sz="1600" b="1" kern="0" dirty="0">
+                <a:latin typeface="Courier New"/>
+              </a:rPr>
+              <a:t>    </a:t>
+            </a:r>
+            <a:r>
+              <a:rPr lang="en-US" altLang="zh-CN" sz="1600" b="1" kern="0" dirty="0" err="1">
+                <a:latin typeface="Courier New"/>
+              </a:rPr>
+              <a:t>SDL_Rect</a:t>
+            </a:r>
+            <a:r>
+              <a:rPr lang="en-US" altLang="zh-CN" sz="1600" b="1" kern="0" dirty="0">
+                <a:latin typeface="Courier New"/>
+              </a:rPr>
+              <a:t>* </a:t>
+            </a:r>
+            <a:r>
+              <a:rPr lang="en-US" altLang="zh-CN" sz="1600" b="1" kern="0" dirty="0" err="1">
+                <a:latin typeface="Courier New"/>
+              </a:rPr>
+              <a:t>currentClip</a:t>
+            </a:r>
+            <a:r>
+              <a:rPr lang="en-US" altLang="zh-CN" sz="1600" b="1" kern="0" dirty="0">
+                <a:latin typeface="Courier New"/>
+              </a:rPr>
+              <a:t>; </a:t>
+            </a:r>
+          </a:p>
+          <a:p>
+            <a:pPr marL="0" lvl="0" indent="0" fontAlgn="base">
+              <a:spcAft>
+                <a:spcPct val="0"/>
+              </a:spcAft>
+              <a:buNone/>
+            </a:pPr>
+            <a:r>
+              <a:rPr lang="en-US" altLang="zh-CN" sz="1600" b="1" kern="0" dirty="0">
+                <a:solidFill>
+                  <a:srgbClr val="0070C0"/>
+                </a:solidFill>
+                <a:latin typeface="Courier New"/>
+              </a:rPr>
+              <a:t>    //Render </a:t>
+            </a:r>
+            <a:r>
+              <a:rPr lang="en-US" altLang="zh-CN" sz="1600" b="1" kern="0" dirty="0" smtClean="0">
+                <a:solidFill>
+                  <a:srgbClr val="0070C0"/>
+                </a:solidFill>
+                <a:latin typeface="Courier New"/>
+              </a:rPr>
+              <a:t>background</a:t>
+            </a:r>
+            <a:endParaRPr lang="en-US" altLang="zh-CN" sz="1600" b="1" kern="0" dirty="0" smtClean="0">
+              <a:latin typeface="Courier New"/>
+            </a:endParaRPr>
+          </a:p>
+          <a:p>
+            <a:pPr marL="0" lvl="0" indent="0" fontAlgn="base">
+              <a:spcAft>
+                <a:spcPct val="0"/>
+              </a:spcAft>
+              <a:buNone/>
+            </a:pPr>
+            <a:r>
+              <a:rPr lang="en-US" altLang="zh-CN" sz="1600" b="1" kern="0" dirty="0">
+                <a:latin typeface="Courier New"/>
+              </a:rPr>
+              <a:t> </a:t>
+            </a:r>
+            <a:r>
+              <a:rPr lang="en-US" altLang="zh-CN" sz="1600" b="1" kern="0" dirty="0" smtClean="0">
+                <a:latin typeface="Courier New"/>
+              </a:rPr>
+              <a:t>   </a:t>
+            </a:r>
+            <a:r>
+              <a:rPr lang="en-US" altLang="zh-CN" sz="1600" b="1" kern="0" dirty="0" err="1" smtClean="0">
+                <a:latin typeface="Courier New"/>
+              </a:rPr>
+              <a:t>SDL_RenderCopy</a:t>
+            </a:r>
+            <a:r>
+              <a:rPr lang="en-US" altLang="zh-CN" sz="1600" b="1" kern="0" dirty="0" smtClean="0">
+                <a:latin typeface="Courier New"/>
+              </a:rPr>
+              <a:t>(</a:t>
+            </a:r>
+            <a:r>
+              <a:rPr lang="en-US" altLang="zh-CN" sz="1600" b="1" kern="0" dirty="0" err="1" smtClean="0">
+                <a:latin typeface="Courier New"/>
+              </a:rPr>
+              <a:t>gMainRenderer</a:t>
+            </a:r>
+            <a:r>
+              <a:rPr lang="en-US" altLang="zh-CN" sz="1600" b="1" kern="0" dirty="0" smtClean="0">
+                <a:latin typeface="Courier New"/>
+              </a:rPr>
+              <a:t>,</a:t>
+            </a:r>
+          </a:p>
+          <a:p>
+            <a:pPr marL="0" lvl="0" indent="0" fontAlgn="base">
+              <a:spcAft>
+                <a:spcPct val="0"/>
+              </a:spcAft>
+              <a:buNone/>
+            </a:pPr>
+            <a:r>
+              <a:rPr lang="en-US" altLang="zh-CN" sz="1600" b="1" kern="0" dirty="0">
+                <a:latin typeface="Courier New"/>
+              </a:rPr>
+              <a:t> </a:t>
+            </a:r>
+            <a:r>
+              <a:rPr lang="en-US" altLang="zh-CN" sz="1600" b="1" kern="0" dirty="0" smtClean="0">
+                <a:latin typeface="Courier New"/>
+              </a:rPr>
+              <a:t>       </a:t>
+            </a:r>
+            <a:r>
+              <a:rPr lang="en-US" altLang="zh-CN" sz="1600" b="1" kern="0" dirty="0" err="1" smtClean="0">
+                <a:latin typeface="Courier New"/>
+              </a:rPr>
+              <a:t>gBackgroundTexture.mTexture,NULL,NULL</a:t>
+            </a:r>
+            <a:r>
+              <a:rPr lang="en-US" altLang="zh-CN" sz="1600" b="1" kern="0" dirty="0">
+                <a:latin typeface="Courier New"/>
+              </a:rPr>
+              <a:t>);</a:t>
+            </a:r>
+          </a:p>
+          <a:p>
+            <a:pPr marL="0" lvl="0" indent="0" fontAlgn="base">
+              <a:spcAft>
+                <a:spcPct val="0"/>
+              </a:spcAft>
+              <a:buNone/>
+            </a:pPr>
+            <a:r>
+              <a:rPr lang="en-US" altLang="zh-CN" sz="1600" b="1" kern="0" dirty="0">
+                <a:solidFill>
+                  <a:srgbClr val="0070C0"/>
+                </a:solidFill>
+                <a:latin typeface="Courier New"/>
+              </a:rPr>
+              <a:t>    //Render sprite</a:t>
+            </a:r>
+          </a:p>
+          <a:p>
+            <a:pPr marL="0" lvl="0" indent="0" fontAlgn="base">
+              <a:spcAft>
+                <a:spcPct val="0"/>
+              </a:spcAft>
+              <a:buNone/>
+            </a:pPr>
+            <a:r>
+              <a:rPr lang="en-US" altLang="zh-CN" sz="1600" b="1" kern="0" dirty="0">
+                <a:latin typeface="Courier New"/>
+              </a:rPr>
+              <a:t>    </a:t>
+            </a:r>
+            <a:r>
+              <a:rPr lang="en-US" altLang="zh-CN" sz="1600" b="1" kern="0" dirty="0" err="1">
+                <a:latin typeface="Courier New"/>
+              </a:rPr>
+              <a:t>currentClip</a:t>
+            </a:r>
+            <a:r>
+              <a:rPr lang="en-US" altLang="zh-CN" sz="1600" b="1" kern="0" dirty="0">
+                <a:latin typeface="Courier New"/>
+              </a:rPr>
+              <a:t> = &amp;</a:t>
+            </a:r>
+            <a:r>
+              <a:rPr lang="en-US" altLang="zh-CN" sz="1600" b="1" kern="0" dirty="0" err="1">
+                <a:latin typeface="Courier New"/>
+              </a:rPr>
+              <a:t>gSpriteClips</a:t>
+            </a:r>
+            <a:r>
+              <a:rPr lang="en-US" altLang="zh-CN" sz="1600" b="1" kern="0" dirty="0">
+                <a:latin typeface="Courier New"/>
+              </a:rPr>
+              <a:t>[ </a:t>
+            </a:r>
+            <a:r>
+              <a:rPr lang="en-US" altLang="zh-CN" sz="1600" b="1" kern="0" dirty="0" err="1" smtClean="0">
+                <a:latin typeface="Courier New"/>
+              </a:rPr>
+              <a:t>currentFrame</a:t>
+            </a:r>
+            <a:r>
+              <a:rPr lang="en-US" altLang="zh-CN" sz="1600" b="1" kern="0" dirty="0" smtClean="0">
+                <a:latin typeface="Courier New"/>
+              </a:rPr>
+              <a:t>/8 </a:t>
+            </a:r>
+            <a:r>
+              <a:rPr lang="en-US" altLang="zh-CN" sz="1600" b="1" kern="0" dirty="0">
+                <a:latin typeface="Courier New"/>
+              </a:rPr>
+              <a:t>];</a:t>
+            </a:r>
+          </a:p>
+          <a:p>
+            <a:pPr marL="0" lvl="0" indent="0" fontAlgn="base">
+              <a:spcAft>
+                <a:spcPct val="0"/>
+              </a:spcAft>
+              <a:buNone/>
+            </a:pPr>
+            <a:r>
+              <a:rPr lang="en-US" altLang="zh-CN" sz="1600" b="1" kern="0" dirty="0">
+                <a:latin typeface="Courier New"/>
+              </a:rPr>
+              <a:t>    </a:t>
+            </a:r>
+            <a:r>
+              <a:rPr lang="en-US" altLang="zh-CN" sz="1600" b="1" kern="0" dirty="0" err="1">
+                <a:latin typeface="Courier New"/>
+              </a:rPr>
+              <a:t>renderTexture</a:t>
+            </a:r>
+            <a:r>
+              <a:rPr lang="en-US" altLang="zh-CN" sz="1600" b="1" kern="0" dirty="0">
+                <a:latin typeface="Courier New"/>
+              </a:rPr>
+              <a:t>(</a:t>
+            </a:r>
+            <a:r>
+              <a:rPr lang="en-US" altLang="zh-CN" sz="1600" b="1" kern="0" dirty="0" err="1">
+                <a:latin typeface="Courier New"/>
+              </a:rPr>
+              <a:t>gSpriteTexture</a:t>
+            </a:r>
+            <a:r>
+              <a:rPr lang="en-US" altLang="zh-CN" sz="1600" b="1" kern="0" dirty="0">
+                <a:latin typeface="Courier New"/>
+              </a:rPr>
+              <a:t>, (</a:t>
+            </a:r>
+            <a:r>
+              <a:rPr lang="en-US" altLang="zh-CN" sz="1600" b="1" kern="0" dirty="0" smtClean="0">
+                <a:latin typeface="Courier New"/>
+              </a:rPr>
+              <a:t>SCREEN_WIDTH-</a:t>
+            </a:r>
+            <a:r>
+              <a:rPr lang="en-US" altLang="zh-CN" sz="1600" b="1" kern="0" dirty="0" err="1" smtClean="0">
+                <a:latin typeface="Courier New"/>
+              </a:rPr>
+              <a:t>currentClip</a:t>
+            </a:r>
+            <a:r>
+              <a:rPr lang="en-US" altLang="zh-CN" sz="1600" b="1" kern="0" dirty="0" smtClean="0">
+                <a:latin typeface="Courier New"/>
+              </a:rPr>
+              <a:t>-</a:t>
+            </a:r>
+            <a:r>
+              <a:rPr lang="en-US" altLang="zh-CN" sz="1600" b="1" kern="0" dirty="0">
+                <a:latin typeface="Courier New"/>
+              </a:rPr>
+              <a:t>&gt;w</a:t>
+            </a:r>
+            <a:r>
+              <a:rPr lang="en-US" altLang="zh-CN" sz="1600" b="1" kern="0" dirty="0" smtClean="0">
+                <a:latin typeface="Courier New"/>
+              </a:rPr>
+              <a:t>)/2</a:t>
+            </a:r>
+            <a:r>
+              <a:rPr lang="en-US" altLang="zh-CN" sz="1600" b="1" kern="0" dirty="0">
+                <a:latin typeface="Courier New"/>
+              </a:rPr>
+              <a:t>, </a:t>
+            </a:r>
+          </a:p>
+          <a:p>
+            <a:pPr marL="0" lvl="0" indent="0" fontAlgn="base">
+              <a:spcAft>
+                <a:spcPct val="0"/>
+              </a:spcAft>
+              <a:buNone/>
+            </a:pPr>
+            <a:r>
+              <a:rPr lang="en-US" altLang="zh-CN" sz="1600" b="1" kern="0" dirty="0">
+                <a:latin typeface="Courier New"/>
+              </a:rPr>
+              <a:t>	(</a:t>
+            </a:r>
+            <a:r>
+              <a:rPr lang="en-US" altLang="zh-CN" sz="1600" b="1" kern="0" dirty="0" smtClean="0">
+                <a:latin typeface="Courier New"/>
+              </a:rPr>
+              <a:t>SCREEN_HEIGHT-</a:t>
+            </a:r>
+            <a:r>
+              <a:rPr lang="en-US" altLang="zh-CN" sz="1600" b="1" kern="0" dirty="0" err="1" smtClean="0">
+                <a:latin typeface="Courier New"/>
+              </a:rPr>
+              <a:t>currentClip</a:t>
+            </a:r>
+            <a:r>
+              <a:rPr lang="en-US" altLang="zh-CN" sz="1600" b="1" kern="0" dirty="0" smtClean="0">
+                <a:latin typeface="Courier New"/>
+              </a:rPr>
+              <a:t>-</a:t>
+            </a:r>
+            <a:r>
+              <a:rPr lang="en-US" altLang="zh-CN" sz="1600" b="1" kern="0" dirty="0">
+                <a:latin typeface="Courier New"/>
+              </a:rPr>
+              <a:t>&gt;h</a:t>
+            </a:r>
+            <a:r>
+              <a:rPr lang="en-US" altLang="zh-CN" sz="1600" b="1" kern="0" dirty="0" smtClean="0">
+                <a:latin typeface="Courier New"/>
+              </a:rPr>
+              <a:t>)/2</a:t>
+            </a:r>
+            <a:r>
+              <a:rPr lang="en-US" altLang="zh-CN" sz="1600" b="1" kern="0" dirty="0">
+                <a:latin typeface="Courier New"/>
+              </a:rPr>
+              <a:t>, </a:t>
+            </a:r>
+            <a:r>
+              <a:rPr lang="en-US" altLang="zh-CN" sz="1600" b="1" kern="0" dirty="0" err="1">
+                <a:latin typeface="Courier New"/>
+              </a:rPr>
+              <a:t>currentClip</a:t>
+            </a:r>
+            <a:r>
+              <a:rPr lang="en-US" altLang="zh-CN" sz="1600" b="1" kern="0" dirty="0">
+                <a:latin typeface="Courier New"/>
+              </a:rPr>
+              <a:t>);</a:t>
+            </a:r>
+          </a:p>
+          <a:p>
+            <a:pPr marL="0" lvl="0" indent="0" fontAlgn="base">
+              <a:spcAft>
+                <a:spcPct val="0"/>
+              </a:spcAft>
+              <a:buNone/>
+            </a:pPr>
+            <a:r>
+              <a:rPr lang="en-US" altLang="zh-CN" sz="1600" b="1" kern="0" dirty="0">
+                <a:solidFill>
+                  <a:srgbClr val="0070C0"/>
+                </a:solidFill>
+                <a:latin typeface="Courier New"/>
+              </a:rPr>
+              <a:t>    //Go to next frame</a:t>
+            </a:r>
+          </a:p>
+          <a:p>
+            <a:pPr marL="0" lvl="0" indent="0" fontAlgn="base">
+              <a:spcAft>
+                <a:spcPct val="0"/>
+              </a:spcAft>
+              <a:buNone/>
+            </a:pPr>
+            <a:r>
+              <a:rPr lang="en-US" altLang="zh-CN" sz="1600" b="1" kern="0" dirty="0">
+                <a:latin typeface="Courier New"/>
+              </a:rPr>
+              <a:t>    </a:t>
+            </a:r>
+            <a:r>
+              <a:rPr lang="en-US" altLang="zh-CN" sz="1600" b="1" kern="0" dirty="0" smtClean="0">
+                <a:latin typeface="Courier New"/>
+              </a:rPr>
+              <a:t>++ </a:t>
+            </a:r>
+            <a:r>
+              <a:rPr lang="en-US" altLang="zh-CN" sz="1600" b="1" kern="0" dirty="0" err="1" smtClean="0">
+                <a:latin typeface="Courier New"/>
+              </a:rPr>
+              <a:t>currentFrame</a:t>
+            </a:r>
+            <a:r>
+              <a:rPr lang="en-US" altLang="zh-CN" sz="1600" b="1" kern="0" dirty="0">
+                <a:latin typeface="Courier New"/>
+              </a:rPr>
+              <a:t>; </a:t>
+            </a:r>
+          </a:p>
+          <a:p>
+            <a:pPr marL="0" lvl="0" indent="0" fontAlgn="base">
+              <a:spcAft>
+                <a:spcPct val="0"/>
+              </a:spcAft>
+              <a:buNone/>
+            </a:pPr>
+            <a:r>
+              <a:rPr lang="en-US" altLang="zh-CN" sz="1600" b="1" kern="0" dirty="0">
+                <a:solidFill>
+                  <a:srgbClr val="0070C0"/>
+                </a:solidFill>
+                <a:latin typeface="Courier New"/>
+              </a:rPr>
+              <a:t>    //Cycle animation</a:t>
+            </a:r>
+          </a:p>
+          <a:p>
+            <a:pPr marL="0" lvl="0" indent="0" fontAlgn="base">
+              <a:spcAft>
+                <a:spcPct val="0"/>
+              </a:spcAft>
+              <a:buNone/>
+            </a:pPr>
+            <a:r>
+              <a:rPr lang="en-US" altLang="zh-CN" sz="1600" b="1" kern="0" dirty="0">
+                <a:latin typeface="Courier New"/>
+              </a:rPr>
+              <a:t>    if( </a:t>
+            </a:r>
+            <a:r>
+              <a:rPr lang="en-US" altLang="zh-CN" sz="1600" b="1" kern="0" dirty="0" err="1">
+                <a:latin typeface="Courier New"/>
+              </a:rPr>
+              <a:t>currentFrame</a:t>
+            </a:r>
+            <a:r>
+              <a:rPr lang="en-US" altLang="zh-CN" sz="1600" b="1" kern="0" dirty="0">
+                <a:latin typeface="Courier New"/>
+              </a:rPr>
+              <a:t> / 8 &gt;= WALKING_ANIMATION_FRAMES ) {</a:t>
+            </a:r>
+          </a:p>
+          <a:p>
+            <a:pPr marL="0" lvl="0" indent="0" fontAlgn="base">
+              <a:spcAft>
+                <a:spcPct val="0"/>
+              </a:spcAft>
+              <a:buNone/>
+            </a:pPr>
+            <a:r>
+              <a:rPr lang="en-US" altLang="zh-CN" sz="1600" b="1" kern="0" dirty="0">
+                <a:latin typeface="Courier New"/>
+              </a:rPr>
+              <a:t>	</a:t>
+            </a:r>
+            <a:r>
+              <a:rPr lang="en-US" altLang="zh-CN" sz="1600" b="1" kern="0" dirty="0" err="1">
+                <a:latin typeface="Courier New"/>
+              </a:rPr>
+              <a:t>currentFrame</a:t>
+            </a:r>
+            <a:r>
+              <a:rPr lang="en-US" altLang="zh-CN" sz="1600" b="1" kern="0" dirty="0">
+                <a:latin typeface="Courier New"/>
+              </a:rPr>
+              <a:t> = 0;</a:t>
+            </a:r>
+          </a:p>
+          <a:p>
+            <a:pPr marL="0" lvl="0" indent="0" fontAlgn="base">
+              <a:spcAft>
+                <a:spcPct val="0"/>
+              </a:spcAft>
+              <a:buNone/>
+            </a:pPr>
+            <a:r>
+              <a:rPr lang="en-US" altLang="zh-CN" sz="1600" b="1" kern="0" dirty="0">
+                <a:latin typeface="Courier New"/>
+              </a:rPr>
+              <a:t>    }</a:t>
+            </a:r>
+          </a:p>
+          <a:p>
+            <a:pPr marL="0" lvl="0" indent="0" fontAlgn="base">
+              <a:spcAft>
+                <a:spcPct val="0"/>
+              </a:spcAft>
+              <a:buNone/>
+            </a:pPr>
+            <a:r>
+              <a:rPr lang="en-US" altLang="zh-CN" sz="1600" b="1" kern="0" dirty="0">
+                <a:latin typeface="Courier New"/>
+              </a:rPr>
+              <a:t>}</a:t>
+            </a:r>
+          </a:p>
+        </p:txBody>
+      </p:sp>
+    </p:spTree>
+    <p:extLst>
+      <p:ext uri="{BB962C8B-B14F-4D97-AF65-F5344CB8AC3E}">
+        <p14:creationId xmlns:p14="http://schemas.microsoft.com/office/powerpoint/2010/main" val="4169742052"/>
+      </p:ext>
+    </p:extLst>
+  </p:cSld>
+  <p:clrMapOvr>
+    <a:masterClrMapping/>
+  </p:clrMapOvr>
+  <mc:AlternateContent xmlns:mc="http://schemas.openxmlformats.org/markup-compatibility/2006" xmlns:p14="http://schemas.microsoft.com/office/powerpoint/2010/main">
+    <mc:Choice Requires="p14">
+      <p:transition p14:dur="10"/>
+    </mc:Choice>
+    <mc:Fallback xmlns="">
+      <p:transition/>
+    </mc:Fallback>
+  </mc:AlternateContent>
+  <p:timing>
+    <p:tnLst>
+      <p:par>
+        <p:cTn id="1" dur="indefinite" restart="never" nodeType="tmRoot"/>
+      </p:par>
+    </p:tnLst>
+  </p:timing>
 </p:sld>
 </file>
 
@@ -21846,6 +24512,223 @@
   <p:clrMapOvr>
     <a:masterClrMapping/>
   </p:clrMapOvr>
+  <p:timing>
+    <p:tnLst>
+      <p:par>
+        <p:cTn id="1" dur="indefinite" restart="never" nodeType="tmRoot"/>
+      </p:par>
+    </p:tnLst>
+  </p:timing>
+</p:sld>
+</file>
+
+<file path=ppt/slides/slide70.xml><?xml version="1.0" encoding="utf-8"?>
+<p:sld xmlns:a="http://schemas.openxmlformats.org/drawingml/2006/main" xmlns:r="http://schemas.openxmlformats.org/officeDocument/2006/relationships" xmlns:p="http://schemas.openxmlformats.org/presentationml/2006/main">
+  <p:cSld>
+    <p:spTree>
+      <p:nvGrpSpPr>
+        <p:cNvPr id="1" name=""/>
+        <p:cNvGrpSpPr/>
+        <p:nvPr/>
+      </p:nvGrpSpPr>
+      <p:grpSpPr>
+        <a:xfrm>
+          <a:off x="0" y="0"/>
+          <a:ext cx="0" cy="0"/>
+          <a:chOff x="0" y="0"/>
+          <a:chExt cx="0" cy="0"/>
+        </a:xfrm>
+      </p:grpSpPr>
+      <p:sp>
+        <p:nvSpPr>
+          <p:cNvPr id="2" name="标题 1"/>
+          <p:cNvSpPr>
+            <a:spLocks noGrp="1"/>
+          </p:cNvSpPr>
+          <p:nvPr>
+            <p:ph type="title"/>
+          </p:nvPr>
+        </p:nvSpPr>
+        <p:spPr/>
+        <p:txBody>
+          <a:bodyPr/>
+          <a:lstStyle/>
+          <a:p>
+            <a:r>
+              <a:rPr lang="zh-CN" altLang="en-US" dirty="0" smtClean="0"/>
+              <a:t>动画绘制小结</a:t>
+            </a:r>
+            <a:endParaRPr lang="zh-CN" altLang="en-US" dirty="0"/>
+          </a:p>
+        </p:txBody>
+      </p:sp>
+      <p:sp>
+        <p:nvSpPr>
+          <p:cNvPr id="3" name="内容占位符 2"/>
+          <p:cNvSpPr>
+            <a:spLocks noGrp="1"/>
+          </p:cNvSpPr>
+          <p:nvPr>
+            <p:ph idx="1"/>
+          </p:nvPr>
+        </p:nvSpPr>
+        <p:spPr/>
+        <p:txBody>
+          <a:bodyPr>
+            <a:normAutofit/>
+          </a:bodyPr>
+          <a:lstStyle/>
+          <a:p>
+            <a:r>
+              <a:rPr lang="zh-CN" altLang="en-US" dirty="0" smtClean="0"/>
+              <a:t>加载纹理时保留尺寸信息</a:t>
+            </a:r>
+            <a:endParaRPr lang="en-US" altLang="zh-CN" dirty="0" smtClean="0"/>
+          </a:p>
+          <a:p>
+            <a:r>
+              <a:rPr lang="en-US" altLang="zh-CN" dirty="0" err="1" smtClean="0"/>
+              <a:t>SDL_SetColorKey</a:t>
+            </a:r>
+            <a:r>
+              <a:rPr lang="zh-CN" altLang="en-US" dirty="0" smtClean="0"/>
+              <a:t>使指定色彩透明显示</a:t>
+            </a:r>
+            <a:endParaRPr lang="en-US" altLang="zh-CN" dirty="0" smtClean="0"/>
+          </a:p>
+          <a:p>
+            <a:r>
+              <a:rPr lang="zh-CN" altLang="en-US" dirty="0" smtClean="0"/>
+              <a:t>通过设置裁剪矩形与目标矩形，可绘制纹理局部至屏幕指定区域</a:t>
+            </a:r>
+            <a:endParaRPr lang="en-US" altLang="zh-CN" dirty="0" smtClean="0"/>
+          </a:p>
+          <a:p>
+            <a:r>
+              <a:rPr lang="zh-CN" altLang="en-US" dirty="0" smtClean="0"/>
+              <a:t>精灵动画是播放帧序列</a:t>
+            </a:r>
+            <a:endParaRPr lang="en-US" altLang="zh-CN" dirty="0" smtClean="0"/>
+          </a:p>
+          <a:p>
+            <a:r>
+              <a:rPr lang="en-US" altLang="zh-CN" dirty="0" smtClean="0"/>
+              <a:t>SDL2</a:t>
+            </a:r>
+            <a:r>
+              <a:rPr lang="zh-CN" altLang="en-US" dirty="0" smtClean="0"/>
+              <a:t>提供了绘制点，线，面，线框等几何图元的函数</a:t>
+            </a:r>
+            <a:endParaRPr lang="en-US" altLang="zh-CN" dirty="0"/>
+          </a:p>
+        </p:txBody>
+      </p:sp>
+    </p:spTree>
+    <p:extLst>
+      <p:ext uri="{BB962C8B-B14F-4D97-AF65-F5344CB8AC3E}">
+        <p14:creationId xmlns:p14="http://schemas.microsoft.com/office/powerpoint/2010/main" val="1435851481"/>
+      </p:ext>
+    </p:extLst>
+  </p:cSld>
+  <p:clrMapOvr>
+    <a:masterClrMapping/>
+  </p:clrMapOvr>
+  <p:timing>
+    <p:tnLst>
+      <p:par>
+        <p:cTn id="1" dur="indefinite" restart="never" nodeType="tmRoot"/>
+      </p:par>
+    </p:tnLst>
+  </p:timing>
+</p:sld>
+</file>
+
+<file path=ppt/slides/slide71.xml><?xml version="1.0" encoding="utf-8"?>
+<p:sld xmlns:a="http://schemas.openxmlformats.org/drawingml/2006/main" xmlns:r="http://schemas.openxmlformats.org/officeDocument/2006/relationships" xmlns:p="http://schemas.openxmlformats.org/presentationml/2006/main">
+  <p:cSld>
+    <p:spTree>
+      <p:nvGrpSpPr>
+        <p:cNvPr id="1" name=""/>
+        <p:cNvGrpSpPr/>
+        <p:nvPr/>
+      </p:nvGrpSpPr>
+      <p:grpSpPr>
+        <a:xfrm>
+          <a:off x="0" y="0"/>
+          <a:ext cx="0" cy="0"/>
+          <a:chOff x="0" y="0"/>
+          <a:chExt cx="0" cy="0"/>
+        </a:xfrm>
+      </p:grpSpPr>
+      <p:sp>
+        <p:nvSpPr>
+          <p:cNvPr id="2" name="标题 1"/>
+          <p:cNvSpPr>
+            <a:spLocks noGrp="1"/>
+          </p:cNvSpPr>
+          <p:nvPr>
+            <p:ph type="title"/>
+          </p:nvPr>
+        </p:nvSpPr>
+        <p:spPr/>
+        <p:txBody>
+          <a:bodyPr/>
+          <a:lstStyle/>
+          <a:p>
+            <a:r>
+              <a:rPr lang="zh-CN" altLang="en-US" dirty="0" smtClean="0"/>
+              <a:t>动画绘制</a:t>
+            </a:r>
+            <a:endParaRPr lang="zh-CN" altLang="en-US" dirty="0"/>
+          </a:p>
+        </p:txBody>
+      </p:sp>
+      <p:sp>
+        <p:nvSpPr>
+          <p:cNvPr id="3" name="内容占位符 2"/>
+          <p:cNvSpPr>
+            <a:spLocks noGrp="1"/>
+          </p:cNvSpPr>
+          <p:nvPr>
+            <p:ph idx="1"/>
+          </p:nvPr>
+        </p:nvSpPr>
+        <p:spPr/>
+        <p:txBody>
+          <a:bodyPr>
+            <a:normAutofit/>
+          </a:bodyPr>
+          <a:lstStyle/>
+          <a:p>
+            <a:r>
+              <a:rPr lang="zh-CN" altLang="en-US" dirty="0"/>
+              <a:t>效果</a:t>
+            </a:r>
+            <a:r>
+              <a:rPr lang="zh-CN" altLang="en-US" dirty="0" smtClean="0"/>
+              <a:t>演示</a:t>
+            </a:r>
+            <a:endParaRPr lang="en-US" altLang="zh-CN" dirty="0"/>
+          </a:p>
+        </p:txBody>
+      </p:sp>
+    </p:spTree>
+    <p:extLst>
+      <p:ext uri="{BB962C8B-B14F-4D97-AF65-F5344CB8AC3E}">
+        <p14:creationId xmlns:p14="http://schemas.microsoft.com/office/powerpoint/2010/main" val="3738149495"/>
+      </p:ext>
+    </p:extLst>
+  </p:cSld>
+  <p:clrMapOvr>
+    <a:masterClrMapping/>
+  </p:clrMapOvr>
+  <p:timing>
+    <p:tnLst>
+      <p:par>
+        <p:cTn id="1" dur="indefinite" restart="never" nodeType="tmRoot"/>
+      </p:par>
+    </p:tnLst>
+  </p:timing>
 </p:sld>
 </file>
 
@@ -22475,4 +25358,289 @@
   <a:objectDefaults/>
   <a:extraClrSchemeLst/>
 </a:theme>
+</file>
+
+<file path=ppt/theme/theme2.xml><?xml version="1.0" encoding="utf-8"?>
+<a:theme xmlns:a="http://schemas.openxmlformats.org/drawingml/2006/main" name="Office 主题​​">
+  <a:themeElements>
+    <a:clrScheme name="Office">
+      <a:dk1>
+        <a:sysClr val="windowText" lastClr="000000"/>
+      </a:dk1>
+      <a:lt1>
+        <a:sysClr val="window" lastClr="FFFFFF"/>
+      </a:lt1>
+      <a:dk2>
+        <a:srgbClr val="1F497D"/>
+      </a:dk2>
+      <a:lt2>
+        <a:srgbClr val="EEECE1"/>
+      </a:lt2>
+      <a:accent1>
+        <a:srgbClr val="4F81BD"/>
+      </a:accent1>
+      <a:accent2>
+        <a:srgbClr val="C0504D"/>
+      </a:accent2>
+      <a:accent3>
+        <a:srgbClr val="9BBB59"/>
+      </a:accent3>
+      <a:accent4>
+        <a:srgbClr val="8064A2"/>
+      </a:accent4>
+      <a:accent5>
+        <a:srgbClr val="4BACC6"/>
+      </a:accent5>
+      <a:accent6>
+        <a:srgbClr val="F79646"/>
+      </a:accent6>
+      <a:hlink>
+        <a:srgbClr val="0000FF"/>
+      </a:hlink>
+      <a:folHlink>
+        <a:srgbClr val="800080"/>
+      </a:folHlink>
+    </a:clrScheme>
+    <a:fontScheme name="Office">
+      <a:majorFont>
+        <a:latin typeface="Calibri"/>
+        <a:ea typeface=""/>
+        <a:cs typeface=""/>
+        <a:font script="Jpan" typeface="ＭＳ Ｐゴシック"/>
+        <a:font script="Hang" typeface="맑은 고딕"/>
+        <a:font script="Hans" typeface="宋体"/>
+        <a:font script="Hant" typeface="新細明體"/>
+        <a:font script="Arab" typeface="Times New Roman"/>
+        <a:font script="Hebr" typeface="Times New Roman"/>
+        <a:font script="Thai" typeface="Angsana New"/>
+        <a:font script="Ethi" typeface="Nyala"/>
+        <a:font script="Beng" typeface="Vrinda"/>
+        <a:font script="Gujr" typeface="Shruti"/>
+        <a:font script="Khmr" typeface="MoolBoran"/>
+        <a:font script="Knda" typeface="Tunga"/>
+        <a:font script="Guru" typeface="Raavi"/>
+        <a:font script="Cans" typeface="Euphemia"/>
+        <a:font script="Cher" typeface="Plantagenet Cherokee"/>
+        <a:font script="Yiii" typeface="Microsoft Yi Baiti"/>
+        <a:font script="Tibt" typeface="Microsoft Himalaya"/>
+        <a:font script="Thaa" typeface="MV Boli"/>
+        <a:font script="Deva" typeface="Mangal"/>
+        <a:font script="Telu" typeface="Gautami"/>
+        <a:font script="Taml" typeface="Latha"/>
+        <a:font script="Syrc" typeface="Estrangelo Edessa"/>
+        <a:font script="Orya" typeface="Kalinga"/>
+        <a:font script="Mlym" typeface="Kartika"/>
+        <a:font script="Laoo" typeface="DokChampa"/>
+        <a:font script="Sinh" typeface="Iskoola Pota"/>
+        <a:font script="Mong" typeface="Mongolian Baiti"/>
+        <a:font script="Viet" typeface="Times New Roman"/>
+        <a:font script="Uigh" typeface="Microsoft Uighur"/>
+        <a:font script="Geor" typeface="Sylfaen"/>
+      </a:majorFont>
+      <a:minorFont>
+        <a:latin typeface="Calibri"/>
+        <a:ea typeface=""/>
+        <a:cs typeface=""/>
+        <a:font script="Jpan" typeface="ＭＳ Ｐゴシック"/>
+        <a:font script="Hang" typeface="맑은 고딕"/>
+        <a:font script="Hans" typeface="宋体"/>
+        <a:font script="Hant" typeface="新細明體"/>
+        <a:font script="Arab" typeface="Arial"/>
+        <a:font script="Hebr" typeface="Arial"/>
+        <a:font script="Thai" typeface="Cordia New"/>
+        <a:font script="Ethi" typeface="Nyala"/>
+        <a:font script="Beng" typeface="Vrinda"/>
+        <a:font script="Gujr" typeface="Shruti"/>
+        <a:font script="Khmr" typeface="DaunPenh"/>
+        <a:font script="Knda" typeface="Tunga"/>
+        <a:font script="Guru" typeface="Raavi"/>
+        <a:font script="Cans" typeface="Euphemia"/>
+        <a:font script="Cher" typeface="Plantagenet Cherokee"/>
+        <a:font script="Yiii" typeface="Microsoft Yi Baiti"/>
+        <a:font script="Tibt" typeface="Microsoft Himalaya"/>
+        <a:font script="Thaa" typeface="MV Boli"/>
+        <a:font script="Deva" typeface="Mangal"/>
+        <a:font script="Telu" typeface="Gautami"/>
+        <a:font script="Taml" typeface="Latha"/>
+        <a:font script="Syrc" typeface="Estrangelo Edessa"/>
+        <a:font script="Orya" typeface="Kalinga"/>
+        <a:font script="Mlym" typeface="Kartika"/>
+        <a:font script="Laoo" typeface="DokChampa"/>
+        <a:font script="Sinh" typeface="Iskoola Pota"/>
+        <a:font script="Mong" typeface="Mongolian Baiti"/>
+        <a:font script="Viet" typeface="Arial"/>
+        <a:font script="Uigh" typeface="Microsoft Uighur"/>
+        <a:font script="Geor" typeface="Sylfaen"/>
+      </a:minorFont>
+    </a:fontScheme>
+    <a:fmtScheme name="Office">
+      <a:fillStyleLst>
+        <a:solidFill>
+          <a:schemeClr val="phClr"/>
+        </a:solidFill>
+        <a:gradFill rotWithShape="1">
+          <a:gsLst>
+            <a:gs pos="0">
+              <a:schemeClr val="phClr">
+                <a:tint val="50000"/>
+                <a:satMod val="300000"/>
+              </a:schemeClr>
+            </a:gs>
+            <a:gs pos="35000">
+              <a:schemeClr val="phClr">
+                <a:tint val="37000"/>
+                <a:satMod val="300000"/>
+              </a:schemeClr>
+            </a:gs>
+            <a:gs pos="100000">
+              <a:schemeClr val="phClr">
+                <a:tint val="15000"/>
+                <a:satMod val="350000"/>
+              </a:schemeClr>
+            </a:gs>
+          </a:gsLst>
+          <a:lin ang="16200000" scaled="1"/>
+        </a:gradFill>
+        <a:gradFill rotWithShape="1">
+          <a:gsLst>
+            <a:gs pos="0">
+              <a:schemeClr val="phClr">
+                <a:shade val="51000"/>
+                <a:satMod val="130000"/>
+              </a:schemeClr>
+            </a:gs>
+            <a:gs pos="80000">
+              <a:schemeClr val="phClr">
+                <a:shade val="93000"/>
+                <a:satMod val="130000"/>
+              </a:schemeClr>
+            </a:gs>
+            <a:gs pos="100000">
+              <a:schemeClr val="phClr">
+                <a:shade val="94000"/>
+                <a:satMod val="135000"/>
+              </a:schemeClr>
+            </a:gs>
+          </a:gsLst>
+          <a:lin ang="16200000" scaled="0"/>
+        </a:gradFill>
+      </a:fillStyleLst>
+      <a:lnStyleLst>
+        <a:ln w="9525" cap="flat" cmpd="sng" algn="ctr">
+          <a:solidFill>
+            <a:schemeClr val="phClr">
+              <a:shade val="95000"/>
+              <a:satMod val="105000"/>
+            </a:schemeClr>
+          </a:solidFill>
+          <a:prstDash val="solid"/>
+        </a:ln>
+        <a:ln w="25400" cap="flat" cmpd="sng" algn="ctr">
+          <a:solidFill>
+            <a:schemeClr val="phClr"/>
+          </a:solidFill>
+          <a:prstDash val="solid"/>
+        </a:ln>
+        <a:ln w="38100" cap="flat" cmpd="sng" algn="ctr">
+          <a:solidFill>
+            <a:schemeClr val="phClr"/>
+          </a:solidFill>
+          <a:prstDash val="solid"/>
+        </a:ln>
+      </a:lnStyleLst>
+      <a:effectStyleLst>
+        <a:effectStyle>
+          <a:effectLst>
+            <a:outerShdw blurRad="40000" dist="20000" dir="5400000" rotWithShape="0">
+              <a:srgbClr val="000000">
+                <a:alpha val="38000"/>
+              </a:srgbClr>
+            </a:outerShdw>
+          </a:effectLst>
+        </a:effectStyle>
+        <a:effectStyle>
+          <a:effectLst>
+            <a:outerShdw blurRad="40000" dist="23000" dir="5400000" rotWithShape="0">
+              <a:srgbClr val="000000">
+                <a:alpha val="35000"/>
+              </a:srgbClr>
+            </a:outerShdw>
+          </a:effectLst>
+        </a:effectStyle>
+        <a:effectStyle>
+          <a:effectLst>
+            <a:outerShdw blurRad="40000" dist="23000" dir="5400000" rotWithShape="0">
+              <a:srgbClr val="000000">
+                <a:alpha val="35000"/>
+              </a:srgbClr>
+            </a:outerShdw>
+          </a:effectLst>
+          <a:scene3d>
+            <a:camera prst="orthographicFront">
+              <a:rot lat="0" lon="0" rev="0"/>
+            </a:camera>
+            <a:lightRig rig="threePt" dir="t">
+              <a:rot lat="0" lon="0" rev="1200000"/>
+            </a:lightRig>
+          </a:scene3d>
+          <a:sp3d>
+            <a:bevelT w="63500" h="25400"/>
+          </a:sp3d>
+        </a:effectStyle>
+      </a:effectStyleLst>
+      <a:bgFillStyleLst>
+        <a:solidFill>
+          <a:schemeClr val="phClr"/>
+        </a:solidFill>
+        <a:gradFill rotWithShape="1">
+          <a:gsLst>
+            <a:gs pos="0">
+              <a:schemeClr val="phClr">
+                <a:tint val="40000"/>
+                <a:satMod val="350000"/>
+              </a:schemeClr>
+            </a:gs>
+            <a:gs pos="40000">
+              <a:schemeClr val="phClr">
+                <a:tint val="45000"/>
+                <a:shade val="99000"/>
+                <a:satMod val="350000"/>
+              </a:schemeClr>
+            </a:gs>
+            <a:gs pos="100000">
+              <a:schemeClr val="phClr">
+                <a:shade val="20000"/>
+                <a:satMod val="255000"/>
+              </a:schemeClr>
+            </a:gs>
+          </a:gsLst>
+          <a:path path="circle">
+            <a:fillToRect l="50000" t="-80000" r="50000" b="180000"/>
+          </a:path>
+        </a:gradFill>
+        <a:gradFill rotWithShape="1">
+          <a:gsLst>
+            <a:gs pos="0">
+              <a:schemeClr val="phClr">
+                <a:tint val="80000"/>
+                <a:satMod val="300000"/>
+              </a:schemeClr>
+            </a:gs>
+            <a:gs pos="100000">
+              <a:schemeClr val="phClr">
+                <a:shade val="30000"/>
+                <a:satMod val="200000"/>
+              </a:schemeClr>
+            </a:gs>
+          </a:gsLst>
+          <a:path path="circle">
+            <a:fillToRect l="50000" t="50000" r="50000" b="50000"/>
+          </a:path>
+        </a:gradFill>
+      </a:bgFillStyleLst>
+    </a:fmtScheme>
+  </a:themeElements>
+  <a:objectDefaults/>
+  <a:extraClrSchemeLst/>
+</a:theme>
 </file>